--- a/ProgressReport.pptx
+++ b/ProgressReport.pptx
@@ -114,6 +114,11 @@
       </a:defRPr>
     </a:lvl9pPr>
   </p:defaultTextStyle>
+  <p:extLst>
+    <p:ext uri="{EFAFB233-063F-42B5-8137-9DF3F51BA10A}">
+      <p15:sldGuideLst xmlns:p15="http://schemas.microsoft.com/office/powerpoint/2012/main"/>
+    </p:ext>
+  </p:extLst>
 </p:presentation>
 </file>
 
@@ -1071,6 +1076,13 @@
         </dgm:presLayoutVars>
       </dgm:prSet>
       <dgm:spPr/>
+      <dgm:t>
+        <a:bodyPr/>
+        <a:lstStyle/>
+        <a:p>
+          <a:endParaRPr lang="en-US"/>
+        </a:p>
+      </dgm:t>
     </dgm:pt>
     <dgm:pt modelId="{BE086776-E0A6-FA4F-A112-6380D06063E0}" type="pres">
       <dgm:prSet presAssocID="{2B1DC0EF-E0B8-AF4A-8BB0-3EF756BEF984}" presName="node" presStyleLbl="node1" presStyleIdx="0" presStyleCnt="5">
@@ -1079,14 +1091,35 @@
         </dgm:presLayoutVars>
       </dgm:prSet>
       <dgm:spPr/>
+      <dgm:t>
+        <a:bodyPr/>
+        <a:lstStyle/>
+        <a:p>
+          <a:endParaRPr lang="en-US"/>
+        </a:p>
+      </dgm:t>
     </dgm:pt>
     <dgm:pt modelId="{34E16F6E-65CB-8549-9169-1237D342ACD2}" type="pres">
       <dgm:prSet presAssocID="{9C1054C6-34B4-054F-8ED3-67368B39B70F}" presName="sibTrans" presStyleLbl="sibTrans2D1" presStyleIdx="0" presStyleCnt="4"/>
       <dgm:spPr/>
+      <dgm:t>
+        <a:bodyPr/>
+        <a:lstStyle/>
+        <a:p>
+          <a:endParaRPr lang="en-US"/>
+        </a:p>
+      </dgm:t>
     </dgm:pt>
     <dgm:pt modelId="{D60223DD-0548-C640-82AE-443E3727F6C0}" type="pres">
       <dgm:prSet presAssocID="{9C1054C6-34B4-054F-8ED3-67368B39B70F}" presName="connectorText" presStyleLbl="sibTrans2D1" presStyleIdx="0" presStyleCnt="4"/>
       <dgm:spPr/>
+      <dgm:t>
+        <a:bodyPr/>
+        <a:lstStyle/>
+        <a:p>
+          <a:endParaRPr lang="en-US"/>
+        </a:p>
+      </dgm:t>
     </dgm:pt>
     <dgm:pt modelId="{A6B61FA7-A225-C444-9C7C-E5F1131B86DF}" type="pres">
       <dgm:prSet presAssocID="{119F6075-D059-924A-ACCF-2E65FCD68A2F}" presName="node" presStyleLbl="node1" presStyleIdx="1" presStyleCnt="5">
@@ -1106,10 +1139,24 @@
     <dgm:pt modelId="{22DD530C-0675-E84B-9C39-F0B658C0BA07}" type="pres">
       <dgm:prSet presAssocID="{F9F4F305-D99B-C646-B1C9-0F6282055D1B}" presName="sibTrans" presStyleLbl="sibTrans2D1" presStyleIdx="1" presStyleCnt="4"/>
       <dgm:spPr/>
+      <dgm:t>
+        <a:bodyPr/>
+        <a:lstStyle/>
+        <a:p>
+          <a:endParaRPr lang="en-US"/>
+        </a:p>
+      </dgm:t>
     </dgm:pt>
     <dgm:pt modelId="{481A0C32-0E95-9C4C-BB45-F151016DA08E}" type="pres">
       <dgm:prSet presAssocID="{F9F4F305-D99B-C646-B1C9-0F6282055D1B}" presName="connectorText" presStyleLbl="sibTrans2D1" presStyleIdx="1" presStyleCnt="4"/>
       <dgm:spPr/>
+      <dgm:t>
+        <a:bodyPr/>
+        <a:lstStyle/>
+        <a:p>
+          <a:endParaRPr lang="en-US"/>
+        </a:p>
+      </dgm:t>
     </dgm:pt>
     <dgm:pt modelId="{080BDE45-88D8-EE4F-B874-11AE0B7DAC00}" type="pres">
       <dgm:prSet presAssocID="{955EABAD-8D5E-364F-871D-29CFBCBDDD8E}" presName="node" presStyleLbl="node1" presStyleIdx="2" presStyleCnt="5">
@@ -1129,10 +1176,24 @@
     <dgm:pt modelId="{F541D4F7-6E90-F84C-B7F2-5BC237C8B564}" type="pres">
       <dgm:prSet presAssocID="{F1890FE5-465A-1644-8A3B-BA2A537F103F}" presName="sibTrans" presStyleLbl="sibTrans2D1" presStyleIdx="2" presStyleCnt="4"/>
       <dgm:spPr/>
+      <dgm:t>
+        <a:bodyPr/>
+        <a:lstStyle/>
+        <a:p>
+          <a:endParaRPr lang="en-US"/>
+        </a:p>
+      </dgm:t>
     </dgm:pt>
     <dgm:pt modelId="{162DF443-8D22-BF44-BC79-CC1E7A6DC7F9}" type="pres">
       <dgm:prSet presAssocID="{F1890FE5-465A-1644-8A3B-BA2A537F103F}" presName="connectorText" presStyleLbl="sibTrans2D1" presStyleIdx="2" presStyleCnt="4"/>
       <dgm:spPr/>
+      <dgm:t>
+        <a:bodyPr/>
+        <a:lstStyle/>
+        <a:p>
+          <a:endParaRPr lang="en-US"/>
+        </a:p>
+      </dgm:t>
     </dgm:pt>
     <dgm:pt modelId="{4A028E8B-08EE-E741-BF1C-8D91E4469BD3}" type="pres">
       <dgm:prSet presAssocID="{207F4F37-DE88-F64B-A3DA-C2EF08B3D1AA}" presName="node" presStyleLbl="node1" presStyleIdx="3" presStyleCnt="5">
@@ -1152,10 +1213,24 @@
     <dgm:pt modelId="{CA496D2F-9CFF-8246-BEA0-71BB396D9BB6}" type="pres">
       <dgm:prSet presAssocID="{C4DF7B9A-CD4F-DD4A-9252-167434A9E460}" presName="sibTrans" presStyleLbl="sibTrans2D1" presStyleIdx="3" presStyleCnt="4"/>
       <dgm:spPr/>
+      <dgm:t>
+        <a:bodyPr/>
+        <a:lstStyle/>
+        <a:p>
+          <a:endParaRPr lang="en-US"/>
+        </a:p>
+      </dgm:t>
     </dgm:pt>
     <dgm:pt modelId="{592A9694-57A2-1147-88C6-E43905157B54}" type="pres">
       <dgm:prSet presAssocID="{C4DF7B9A-CD4F-DD4A-9252-167434A9E460}" presName="connectorText" presStyleLbl="sibTrans2D1" presStyleIdx="3" presStyleCnt="4"/>
       <dgm:spPr/>
+      <dgm:t>
+        <a:bodyPr/>
+        <a:lstStyle/>
+        <a:p>
+          <a:endParaRPr lang="en-US"/>
+        </a:p>
+      </dgm:t>
     </dgm:pt>
     <dgm:pt modelId="{8E9F6484-BD1C-7D41-B38E-E38692DF5A4A}" type="pres">
       <dgm:prSet presAssocID="{CD1C48CF-CC23-384C-9BAB-398D4E21AD3A}" presName="node" presStyleLbl="node1" presStyleIdx="4" presStyleCnt="5">
@@ -1174,25 +1249,25 @@
     </dgm:pt>
   </dgm:ptLst>
   <dgm:cxnLst>
+    <dgm:cxn modelId="{F21441E3-87BD-A047-A6D1-21F184E130D5}" type="presOf" srcId="{955EABAD-8D5E-364F-871D-29CFBCBDDD8E}" destId="{080BDE45-88D8-EE4F-B874-11AE0B7DAC00}" srcOrd="0" destOrd="0" presId="urn:microsoft.com/office/officeart/2005/8/layout/process1"/>
+    <dgm:cxn modelId="{1828AA22-10A7-9A4D-B14F-1C8CC532230A}" type="presOf" srcId="{F9F4F305-D99B-C646-B1C9-0F6282055D1B}" destId="{481A0C32-0E95-9C4C-BB45-F151016DA08E}" srcOrd="1" destOrd="0" presId="urn:microsoft.com/office/officeart/2005/8/layout/process1"/>
+    <dgm:cxn modelId="{E3A78706-844D-F54F-BD43-B48C50836C9A}" srcId="{45B62679-A09B-374C-86F6-D50B2D965377}" destId="{119F6075-D059-924A-ACCF-2E65FCD68A2F}" srcOrd="1" destOrd="0" parTransId="{6BA1E80E-E652-C146-A2B5-310649EA7B85}" sibTransId="{F9F4F305-D99B-C646-B1C9-0F6282055D1B}"/>
     <dgm:cxn modelId="{176343E6-EE96-3E45-BFF2-172BBDE31162}" type="presOf" srcId="{F1890FE5-465A-1644-8A3B-BA2A537F103F}" destId="{F541D4F7-6E90-F84C-B7F2-5BC237C8B564}" srcOrd="0" destOrd="0" presId="urn:microsoft.com/office/officeart/2005/8/layout/process1"/>
-    <dgm:cxn modelId="{1828AA22-10A7-9A4D-B14F-1C8CC532230A}" type="presOf" srcId="{F9F4F305-D99B-C646-B1C9-0F6282055D1B}" destId="{481A0C32-0E95-9C4C-BB45-F151016DA08E}" srcOrd="1" destOrd="0" presId="urn:microsoft.com/office/officeart/2005/8/layout/process1"/>
-    <dgm:cxn modelId="{D723621E-A8F5-104C-A7BE-556BE64F0547}" srcId="{45B62679-A09B-374C-86F6-D50B2D965377}" destId="{955EABAD-8D5E-364F-871D-29CFBCBDDD8E}" srcOrd="2" destOrd="0" parTransId="{DB8E7E0A-067E-9C4D-B175-376EFC2BA64F}" sibTransId="{F1890FE5-465A-1644-8A3B-BA2A537F103F}"/>
-    <dgm:cxn modelId="{B4B580AB-A6D7-F347-A943-819DC4C7C80C}" type="presOf" srcId="{9C1054C6-34B4-054F-8ED3-67368B39B70F}" destId="{D60223DD-0548-C640-82AE-443E3727F6C0}" srcOrd="1" destOrd="0" presId="urn:microsoft.com/office/officeart/2005/8/layout/process1"/>
-    <dgm:cxn modelId="{E3A78706-844D-F54F-BD43-B48C50836C9A}" srcId="{45B62679-A09B-374C-86F6-D50B2D965377}" destId="{119F6075-D059-924A-ACCF-2E65FCD68A2F}" srcOrd="1" destOrd="0" parTransId="{6BA1E80E-E652-C146-A2B5-310649EA7B85}" sibTransId="{F9F4F305-D99B-C646-B1C9-0F6282055D1B}"/>
-    <dgm:cxn modelId="{F21441E3-87BD-A047-A6D1-21F184E130D5}" type="presOf" srcId="{955EABAD-8D5E-364F-871D-29CFBCBDDD8E}" destId="{080BDE45-88D8-EE4F-B874-11AE0B7DAC00}" srcOrd="0" destOrd="0" presId="urn:microsoft.com/office/officeart/2005/8/layout/process1"/>
+    <dgm:cxn modelId="{9A5941C5-664B-284E-A12D-E133E64C8617}" type="presOf" srcId="{2B1DC0EF-E0B8-AF4A-8BB0-3EF756BEF984}" destId="{BE086776-E0A6-FA4F-A112-6380D06063E0}" srcOrd="0" destOrd="0" presId="urn:microsoft.com/office/officeart/2005/8/layout/process1"/>
+    <dgm:cxn modelId="{D78C35F4-B364-C845-B140-72DBBDF7F69F}" type="presOf" srcId="{C4DF7B9A-CD4F-DD4A-9252-167434A9E460}" destId="{592A9694-57A2-1147-88C6-E43905157B54}" srcOrd="1" destOrd="0" presId="urn:microsoft.com/office/officeart/2005/8/layout/process1"/>
+    <dgm:cxn modelId="{84570F3D-805A-8F40-8D5B-F1C864FF0A8A}" type="presOf" srcId="{119F6075-D059-924A-ACCF-2E65FCD68A2F}" destId="{A6B61FA7-A225-C444-9C7C-E5F1131B86DF}" srcOrd="0" destOrd="0" presId="urn:microsoft.com/office/officeart/2005/8/layout/process1"/>
     <dgm:cxn modelId="{45617D7D-976F-D04C-AF4D-657C6C6F3E14}" type="presOf" srcId="{C4DF7B9A-CD4F-DD4A-9252-167434A9E460}" destId="{CA496D2F-9CFF-8246-BEA0-71BB396D9BB6}" srcOrd="0" destOrd="0" presId="urn:microsoft.com/office/officeart/2005/8/layout/process1"/>
-    <dgm:cxn modelId="{856AB4CB-BF0C-F945-B4C1-104DBE61A5E6}" type="presOf" srcId="{9C1054C6-34B4-054F-8ED3-67368B39B70F}" destId="{34E16F6E-65CB-8549-9169-1237D342ACD2}" srcOrd="0" destOrd="0" presId="urn:microsoft.com/office/officeart/2005/8/layout/process1"/>
-    <dgm:cxn modelId="{8E9F96C2-27AF-1F4B-9C55-A65065277EFF}" srcId="{45B62679-A09B-374C-86F6-D50B2D965377}" destId="{CD1C48CF-CC23-384C-9BAB-398D4E21AD3A}" srcOrd="4" destOrd="0" parTransId="{C74A4C98-4607-F642-8CB9-1033959687E0}" sibTransId="{82C6706E-9DA2-584E-B16D-A7F16F599D40}"/>
-    <dgm:cxn modelId="{8DA49162-B9CE-BC41-AA7C-38BB8344F825}" srcId="{45B62679-A09B-374C-86F6-D50B2D965377}" destId="{2B1DC0EF-E0B8-AF4A-8BB0-3EF756BEF984}" srcOrd="0" destOrd="0" parTransId="{51EF3D3B-EE34-024D-A016-9A771D1CA4AA}" sibTransId="{9C1054C6-34B4-054F-8ED3-67368B39B70F}"/>
-    <dgm:cxn modelId="{5B3F33D6-D223-E749-97F4-322C3DACEC52}" type="presOf" srcId="{F1890FE5-465A-1644-8A3B-BA2A537F103F}" destId="{162DF443-8D22-BF44-BC79-CC1E7A6DC7F9}" srcOrd="1" destOrd="0" presId="urn:microsoft.com/office/officeart/2005/8/layout/process1"/>
-    <dgm:cxn modelId="{9A5941C5-664B-284E-A12D-E133E64C8617}" type="presOf" srcId="{2B1DC0EF-E0B8-AF4A-8BB0-3EF756BEF984}" destId="{BE086776-E0A6-FA4F-A112-6380D06063E0}" srcOrd="0" destOrd="0" presId="urn:microsoft.com/office/officeart/2005/8/layout/process1"/>
-    <dgm:cxn modelId="{84570F3D-805A-8F40-8D5B-F1C864FF0A8A}" type="presOf" srcId="{119F6075-D059-924A-ACCF-2E65FCD68A2F}" destId="{A6B61FA7-A225-C444-9C7C-E5F1131B86DF}" srcOrd="0" destOrd="0" presId="urn:microsoft.com/office/officeart/2005/8/layout/process1"/>
+    <dgm:cxn modelId="{ABD6B5F1-D22D-0947-8F76-9DA3B0DF1DBE}" type="presOf" srcId="{45B62679-A09B-374C-86F6-D50B2D965377}" destId="{B9419030-1B17-CB4D-967F-237AE608CE87}" srcOrd="0" destOrd="0" presId="urn:microsoft.com/office/officeart/2005/8/layout/process1"/>
     <dgm:cxn modelId="{080205FC-3061-6D45-B42F-D3EBAA04DD07}" type="presOf" srcId="{CD1C48CF-CC23-384C-9BAB-398D4E21AD3A}" destId="{8E9F6484-BD1C-7D41-B38E-E38692DF5A4A}" srcOrd="0" destOrd="0" presId="urn:microsoft.com/office/officeart/2005/8/layout/process1"/>
     <dgm:cxn modelId="{65EF2E57-9561-AB47-847A-1E73560B29F6}" type="presOf" srcId="{207F4F37-DE88-F64B-A3DA-C2EF08B3D1AA}" destId="{4A028E8B-08EE-E741-BF1C-8D91E4469BD3}" srcOrd="0" destOrd="0" presId="urn:microsoft.com/office/officeart/2005/8/layout/process1"/>
+    <dgm:cxn modelId="{B4B580AB-A6D7-F347-A943-819DC4C7C80C}" type="presOf" srcId="{9C1054C6-34B4-054F-8ED3-67368B39B70F}" destId="{D60223DD-0548-C640-82AE-443E3727F6C0}" srcOrd="1" destOrd="0" presId="urn:microsoft.com/office/officeart/2005/8/layout/process1"/>
+    <dgm:cxn modelId="{D723621E-A8F5-104C-A7BE-556BE64F0547}" srcId="{45B62679-A09B-374C-86F6-D50B2D965377}" destId="{955EABAD-8D5E-364F-871D-29CFBCBDDD8E}" srcOrd="2" destOrd="0" parTransId="{DB8E7E0A-067E-9C4D-B175-376EFC2BA64F}" sibTransId="{F1890FE5-465A-1644-8A3B-BA2A537F103F}"/>
+    <dgm:cxn modelId="{856AB4CB-BF0C-F945-B4C1-104DBE61A5E6}" type="presOf" srcId="{9C1054C6-34B4-054F-8ED3-67368B39B70F}" destId="{34E16F6E-65CB-8549-9169-1237D342ACD2}" srcOrd="0" destOrd="0" presId="urn:microsoft.com/office/officeart/2005/8/layout/process1"/>
     <dgm:cxn modelId="{E2818014-485C-CC43-834B-4B4A833CDA89}" type="presOf" srcId="{F9F4F305-D99B-C646-B1C9-0F6282055D1B}" destId="{22DD530C-0675-E84B-9C39-F0B658C0BA07}" srcOrd="0" destOrd="0" presId="urn:microsoft.com/office/officeart/2005/8/layout/process1"/>
-    <dgm:cxn modelId="{ABD6B5F1-D22D-0947-8F76-9DA3B0DF1DBE}" type="presOf" srcId="{45B62679-A09B-374C-86F6-D50B2D965377}" destId="{B9419030-1B17-CB4D-967F-237AE608CE87}" srcOrd="0" destOrd="0" presId="urn:microsoft.com/office/officeart/2005/8/layout/process1"/>
+    <dgm:cxn modelId="{5B3F33D6-D223-E749-97F4-322C3DACEC52}" type="presOf" srcId="{F1890FE5-465A-1644-8A3B-BA2A537F103F}" destId="{162DF443-8D22-BF44-BC79-CC1E7A6DC7F9}" srcOrd="1" destOrd="0" presId="urn:microsoft.com/office/officeart/2005/8/layout/process1"/>
+    <dgm:cxn modelId="{8DA49162-B9CE-BC41-AA7C-38BB8344F825}" srcId="{45B62679-A09B-374C-86F6-D50B2D965377}" destId="{2B1DC0EF-E0B8-AF4A-8BB0-3EF756BEF984}" srcOrd="0" destOrd="0" parTransId="{51EF3D3B-EE34-024D-A016-9A771D1CA4AA}" sibTransId="{9C1054C6-34B4-054F-8ED3-67368B39B70F}"/>
     <dgm:cxn modelId="{CB4A5EDA-DB29-464E-BD30-857EB354D956}" srcId="{45B62679-A09B-374C-86F6-D50B2D965377}" destId="{207F4F37-DE88-F64B-A3DA-C2EF08B3D1AA}" srcOrd="3" destOrd="0" parTransId="{09AED2D6-B963-3442-BF3B-EFE52187C46D}" sibTransId="{C4DF7B9A-CD4F-DD4A-9252-167434A9E460}"/>
-    <dgm:cxn modelId="{D78C35F4-B364-C845-B140-72DBBDF7F69F}" type="presOf" srcId="{C4DF7B9A-CD4F-DD4A-9252-167434A9E460}" destId="{592A9694-57A2-1147-88C6-E43905157B54}" srcOrd="1" destOrd="0" presId="urn:microsoft.com/office/officeart/2005/8/layout/process1"/>
+    <dgm:cxn modelId="{8E9F96C2-27AF-1F4B-9C55-A65065277EFF}" srcId="{45B62679-A09B-374C-86F6-D50B2D965377}" destId="{CD1C48CF-CC23-384C-9BAB-398D4E21AD3A}" srcOrd="4" destOrd="0" parTransId="{C74A4C98-4607-F642-8CB9-1033959687E0}" sibTransId="{82C6706E-9DA2-584E-B16D-A7F16F599D40}"/>
     <dgm:cxn modelId="{0B333F14-CB68-0B4A-8020-F1CB81E0A719}" type="presParOf" srcId="{B9419030-1B17-CB4D-967F-237AE608CE87}" destId="{BE086776-E0A6-FA4F-A112-6380D06063E0}" srcOrd="0" destOrd="0" presId="urn:microsoft.com/office/officeart/2005/8/layout/process1"/>
     <dgm:cxn modelId="{E6BEFA39-C125-994E-852D-18BA3392B3AE}" type="presParOf" srcId="{B9419030-1B17-CB4D-967F-237AE608CE87}" destId="{34E16F6E-65CB-8549-9169-1237D342ACD2}" srcOrd="1" destOrd="0" presId="urn:microsoft.com/office/officeart/2005/8/layout/process1"/>
     <dgm:cxn modelId="{6DA3EE94-6756-F346-92E7-3109B494E1EB}" type="presParOf" srcId="{34E16F6E-65CB-8549-9169-1237D342ACD2}" destId="{D60223DD-0548-C640-82AE-443E3727F6C0}" srcOrd="0" destOrd="0" presId="urn:microsoft.com/office/officeart/2005/8/layout/process1"/>
@@ -3587,7 +3662,7 @@
             <a:fld id="{B61BEF0D-F0BB-DE4B-95CE-6DB70DBA9567}" type="datetimeFigureOut">
               <a:rPr lang="en-US" smtClean="0"/>
               <a:pPr/>
-              <a:t>3/8/18</a:t>
+              <a:t>3/12/18</a:t>
             </a:fld>
             <a:endParaRPr lang="en-US" dirty="0"/>
           </a:p>
@@ -4677,7 +4752,7 @@
             <a:fld id="{B61BEF0D-F0BB-DE4B-95CE-6DB70DBA9567}" type="datetimeFigureOut">
               <a:rPr lang="en-US" smtClean="0"/>
               <a:pPr/>
-              <a:t>3/8/18</a:t>
+              <a:t>3/12/18</a:t>
             </a:fld>
             <a:endParaRPr lang="en-US" dirty="0"/>
           </a:p>
@@ -5654,7 +5729,7 @@
             <a:fld id="{B61BEF0D-F0BB-DE4B-95CE-6DB70DBA9567}" type="datetimeFigureOut">
               <a:rPr lang="en-US" smtClean="0"/>
               <a:pPr/>
-              <a:t>3/8/18</a:t>
+              <a:t>3/12/18</a:t>
             </a:fld>
             <a:endParaRPr lang="en-US" dirty="0"/>
           </a:p>
@@ -6785,7 +6860,7 @@
             <a:fld id="{B61BEF0D-F0BB-DE4B-95CE-6DB70DBA9567}" type="datetimeFigureOut">
               <a:rPr lang="en-US" smtClean="0"/>
               <a:pPr/>
-              <a:t>3/8/18</a:t>
+              <a:t>3/12/18</a:t>
             </a:fld>
             <a:endParaRPr lang="en-US" dirty="0"/>
           </a:p>
@@ -7815,7 +7890,7 @@
             <a:fld id="{B61BEF0D-F0BB-DE4B-95CE-6DB70DBA9567}" type="datetimeFigureOut">
               <a:rPr lang="en-US" smtClean="0"/>
               <a:pPr/>
-              <a:t>3/8/18</a:t>
+              <a:t>3/12/18</a:t>
             </a:fld>
             <a:endParaRPr lang="en-US" dirty="0"/>
           </a:p>
@@ -8472,7 +8547,7 @@
             <a:fld id="{B61BEF0D-F0BB-DE4B-95CE-6DB70DBA9567}" type="datetimeFigureOut">
               <a:rPr lang="en-US" smtClean="0"/>
               <a:pPr/>
-              <a:t>3/8/18</a:t>
+              <a:t>3/12/18</a:t>
             </a:fld>
             <a:endParaRPr lang="en-US" dirty="0"/>
           </a:p>
@@ -9330,7 +9405,7 @@
             <a:fld id="{B61BEF0D-F0BB-DE4B-95CE-6DB70DBA9567}" type="datetimeFigureOut">
               <a:rPr lang="en-US" smtClean="0"/>
               <a:pPr/>
-              <a:t>3/8/18</a:t>
+              <a:t>3/12/18</a:t>
             </a:fld>
             <a:endParaRPr lang="en-US" dirty="0"/>
           </a:p>
@@ -9517,7 +9592,7 @@
             <a:fld id="{B61BEF0D-F0BB-DE4B-95CE-6DB70DBA9567}" type="datetimeFigureOut">
               <a:rPr lang="en-US" smtClean="0"/>
               <a:pPr/>
-              <a:t>3/8/18</a:t>
+              <a:t>3/12/18</a:t>
             </a:fld>
             <a:endParaRPr lang="en-US" dirty="0"/>
           </a:p>
@@ -10486,7 +10561,7 @@
             <a:fld id="{B61BEF0D-F0BB-DE4B-95CE-6DB70DBA9567}" type="datetimeFigureOut">
               <a:rPr lang="en-US" smtClean="0"/>
               <a:pPr/>
-              <a:t>3/8/18</a:t>
+              <a:t>3/12/18</a:t>
             </a:fld>
             <a:endParaRPr lang="en-US" dirty="0"/>
           </a:p>
@@ -10698,7 +10773,7 @@
           <a:p>
             <a:fld id="{52647F38-B617-4D2F-AE0A-013F0C4D2C57}" type="datetimeFigureOut">
               <a:rPr lang="en-US" smtClean="0"/>
-              <a:t>3/8/18</a:t>
+              <a:t>3/12/18</a:t>
             </a:fld>
             <a:endParaRPr lang="en-US" dirty="0"/>
           </a:p>
@@ -11728,7 +11803,7 @@
             <a:fld id="{B61BEF0D-F0BB-DE4B-95CE-6DB70DBA9567}" type="datetimeFigureOut">
               <a:rPr lang="en-US" smtClean="0"/>
               <a:pPr/>
-              <a:t>3/8/18</a:t>
+              <a:t>3/12/18</a:t>
             </a:fld>
             <a:endParaRPr lang="en-US" dirty="0"/>
           </a:p>
@@ -12001,7 +12076,7 @@
           <a:p>
             <a:fld id="{05BFA754-D5C3-4E66-96A6-867B257F58DC}" type="datetimeFigureOut">
               <a:rPr lang="en-US" smtClean="0"/>
-              <a:t>3/8/18</a:t>
+              <a:t>3/12/18</a:t>
             </a:fld>
             <a:endParaRPr lang="en-US" dirty="0"/>
           </a:p>
@@ -12412,7 +12487,7 @@
             <a:fld id="{B61BEF0D-F0BB-DE4B-95CE-6DB70DBA9567}" type="datetimeFigureOut">
               <a:rPr lang="en-US" smtClean="0"/>
               <a:pPr/>
-              <a:t>3/8/18</a:t>
+              <a:t>3/12/18</a:t>
             </a:fld>
             <a:endParaRPr lang="en-US" dirty="0"/>
           </a:p>
@@ -12541,7 +12616,7 @@
             <a:fld id="{B61BEF0D-F0BB-DE4B-95CE-6DB70DBA9567}" type="datetimeFigureOut">
               <a:rPr lang="en-US" smtClean="0"/>
               <a:pPr/>
-              <a:t>3/8/18</a:t>
+              <a:t>3/12/18</a:t>
             </a:fld>
             <a:endParaRPr lang="en-US" dirty="0"/>
           </a:p>
@@ -12633,7 +12708,7 @@
             <a:fld id="{B61BEF0D-F0BB-DE4B-95CE-6DB70DBA9567}" type="datetimeFigureOut">
               <a:rPr lang="en-US" smtClean="0"/>
               <a:pPr/>
-              <a:t>3/8/18</a:t>
+              <a:t>3/12/18</a:t>
             </a:fld>
             <a:endParaRPr lang="en-US" dirty="0"/>
           </a:p>
@@ -13716,7 +13791,7 @@
             <a:fld id="{B61BEF0D-F0BB-DE4B-95CE-6DB70DBA9567}" type="datetimeFigureOut">
               <a:rPr lang="en-US" smtClean="0"/>
               <a:pPr/>
-              <a:t>3/8/18</a:t>
+              <a:t>3/12/18</a:t>
             </a:fld>
             <a:endParaRPr lang="en-US" dirty="0"/>
           </a:p>
@@ -14826,7 +14901,7 @@
             <a:fld id="{B61BEF0D-F0BB-DE4B-95CE-6DB70DBA9567}" type="datetimeFigureOut">
               <a:rPr lang="en-US" smtClean="0"/>
               <a:pPr/>
-              <a:t>3/8/18</a:t>
+              <a:t>3/12/18</a:t>
             </a:fld>
             <a:endParaRPr lang="en-US" dirty="0"/>
           </a:p>
@@ -15824,7 +15899,7 @@
             <a:fld id="{B61BEF0D-F0BB-DE4B-95CE-6DB70DBA9567}" type="datetimeFigureOut">
               <a:rPr lang="en-US" smtClean="0"/>
               <a:pPr/>
-              <a:t>3/8/18</a:t>
+              <a:t>3/12/18</a:t>
             </a:fld>
             <a:endParaRPr lang="en-US" dirty="0"/>
           </a:p>
@@ -16543,7 +16618,17 @@
           <a:p>
             <a:r>
               <a:rPr lang="en-US" dirty="0" smtClean="0"/>
-              <a:t>Script for test case 1</a:t>
+              <a:t>Train model for full LFW set</a:t>
+            </a:r>
+          </a:p>
+          <a:p>
+            <a:r>
+              <a:rPr lang="en-US" dirty="0" smtClean="0"/>
+              <a:t>Script </a:t>
+            </a:r>
+            <a:r>
+              <a:rPr lang="en-US" dirty="0" smtClean="0"/>
+              <a:t>for test case 1</a:t>
             </a:r>
           </a:p>
           <a:p>
@@ -16569,7 +16654,18 @@
             <a:pPr lvl="1"/>
             <a:r>
               <a:rPr lang="en-US" dirty="0" smtClean="0"/>
-              <a:t>Number of trials required to achieve success</a:t>
+              <a:t>Number of trials required to achieve success with limited data set</a:t>
+            </a:r>
+          </a:p>
+          <a:p>
+            <a:pPr lvl="1"/>
+            <a:r>
+              <a:rPr lang="en-US" dirty="0"/>
+              <a:t>Number of trials required to achieve success with </a:t>
+            </a:r>
+            <a:r>
+              <a:rPr lang="en-US" dirty="0" smtClean="0"/>
+              <a:t>full LFW</a:t>
             </a:r>
           </a:p>
           <a:p>
@@ -18260,12 +18356,17 @@
             </a:r>
             <a:r>
               <a:rPr lang="en-US" dirty="0"/>
-              <a:t>image validation</a:t>
+              <a:t>image </a:t>
             </a:r>
             <a:r>
               <a:rPr lang="en-US" dirty="0" smtClean="0"/>
-              <a:t>:</a:t>
-            </a:r>
+              <a:t>validation </a:t>
+            </a:r>
+            <a:r>
+              <a:rPr lang="en-US" smtClean="0"/>
+              <a:t>with limited data set:</a:t>
+            </a:r>
+            <a:endParaRPr lang="en-US" dirty="0" smtClean="0"/>
           </a:p>
         </p:txBody>
       </p:sp>

--- a/ProgressReport.pptx
+++ b/ProgressReport.pptx
@@ -12,10 +12,11 @@
     <p:sldId id="261" r:id="rId6"/>
     <p:sldId id="262" r:id="rId7"/>
     <p:sldId id="263" r:id="rId8"/>
-    <p:sldId id="264" r:id="rId9"/>
-    <p:sldId id="265" r:id="rId10"/>
-    <p:sldId id="266" r:id="rId11"/>
-    <p:sldId id="259" r:id="rId12"/>
+    <p:sldId id="267" r:id="rId9"/>
+    <p:sldId id="264" r:id="rId10"/>
+    <p:sldId id="265" r:id="rId11"/>
+    <p:sldId id="266" r:id="rId12"/>
+    <p:sldId id="259" r:id="rId13"/>
   </p:sldIdLst>
   <p:sldSz cx="12192000" cy="6858000"/>
   <p:notesSz cx="6858000" cy="9144000"/>
@@ -1256,8 +1257,8 @@
     <dgm:cxn modelId="{9A5941C5-664B-284E-A12D-E133E64C8617}" type="presOf" srcId="{2B1DC0EF-E0B8-AF4A-8BB0-3EF756BEF984}" destId="{BE086776-E0A6-FA4F-A112-6380D06063E0}" srcOrd="0" destOrd="0" presId="urn:microsoft.com/office/officeart/2005/8/layout/process1"/>
     <dgm:cxn modelId="{D78C35F4-B364-C845-B140-72DBBDF7F69F}" type="presOf" srcId="{C4DF7B9A-CD4F-DD4A-9252-167434A9E460}" destId="{592A9694-57A2-1147-88C6-E43905157B54}" srcOrd="1" destOrd="0" presId="urn:microsoft.com/office/officeart/2005/8/layout/process1"/>
     <dgm:cxn modelId="{84570F3D-805A-8F40-8D5B-F1C864FF0A8A}" type="presOf" srcId="{119F6075-D059-924A-ACCF-2E65FCD68A2F}" destId="{A6B61FA7-A225-C444-9C7C-E5F1131B86DF}" srcOrd="0" destOrd="0" presId="urn:microsoft.com/office/officeart/2005/8/layout/process1"/>
+    <dgm:cxn modelId="{ABD6B5F1-D22D-0947-8F76-9DA3B0DF1DBE}" type="presOf" srcId="{45B62679-A09B-374C-86F6-D50B2D965377}" destId="{B9419030-1B17-CB4D-967F-237AE608CE87}" srcOrd="0" destOrd="0" presId="urn:microsoft.com/office/officeart/2005/8/layout/process1"/>
     <dgm:cxn modelId="{45617D7D-976F-D04C-AF4D-657C6C6F3E14}" type="presOf" srcId="{C4DF7B9A-CD4F-DD4A-9252-167434A9E460}" destId="{CA496D2F-9CFF-8246-BEA0-71BB396D9BB6}" srcOrd="0" destOrd="0" presId="urn:microsoft.com/office/officeart/2005/8/layout/process1"/>
-    <dgm:cxn modelId="{ABD6B5F1-D22D-0947-8F76-9DA3B0DF1DBE}" type="presOf" srcId="{45B62679-A09B-374C-86F6-D50B2D965377}" destId="{B9419030-1B17-CB4D-967F-237AE608CE87}" srcOrd="0" destOrd="0" presId="urn:microsoft.com/office/officeart/2005/8/layout/process1"/>
     <dgm:cxn modelId="{080205FC-3061-6D45-B42F-D3EBAA04DD07}" type="presOf" srcId="{CD1C48CF-CC23-384C-9BAB-398D4E21AD3A}" destId="{8E9F6484-BD1C-7D41-B38E-E38692DF5A4A}" srcOrd="0" destOrd="0" presId="urn:microsoft.com/office/officeart/2005/8/layout/process1"/>
     <dgm:cxn modelId="{65EF2E57-9561-AB47-847A-1E73560B29F6}" type="presOf" srcId="{207F4F37-DE88-F64B-A3DA-C2EF08B3D1AA}" destId="{4A028E8B-08EE-E741-BF1C-8D91E4469BD3}" srcOrd="0" destOrd="0" presId="urn:microsoft.com/office/officeart/2005/8/layout/process1"/>
     <dgm:cxn modelId="{B4B580AB-A6D7-F347-A943-819DC4C7C80C}" type="presOf" srcId="{9C1054C6-34B4-054F-8ED3-67368B39B70F}" destId="{D60223DD-0548-C640-82AE-443E3727F6C0}" srcOrd="1" destOrd="0" presId="urn:microsoft.com/office/officeart/2005/8/layout/process1"/>
@@ -16595,1732 +16596,6 @@
           <a:p>
             <a:r>
               <a:rPr lang="en-US" dirty="0" smtClean="0"/>
-              <a:t>Next Steps</a:t>
-            </a:r>
-            <a:endParaRPr lang="en-US" dirty="0"/>
-          </a:p>
-        </p:txBody>
-      </p:sp>
-      <p:sp>
-        <p:nvSpPr>
-          <p:cNvPr id="3" name="Content Placeholder 2"/>
-          <p:cNvSpPr>
-            <a:spLocks noGrp="1"/>
-          </p:cNvSpPr>
-          <p:nvPr>
-            <p:ph idx="1"/>
-          </p:nvPr>
-        </p:nvSpPr>
-        <p:spPr/>
-        <p:txBody>
-          <a:bodyPr/>
-          <a:lstStyle/>
-          <a:p>
-            <a:r>
-              <a:rPr lang="en-US" dirty="0" smtClean="0"/>
-              <a:t>Train model for full LFW set</a:t>
-            </a:r>
-          </a:p>
-          <a:p>
-            <a:r>
-              <a:rPr lang="en-US" dirty="0" smtClean="0"/>
-              <a:t>Script </a:t>
-            </a:r>
-            <a:r>
-              <a:rPr lang="en-US" dirty="0" smtClean="0"/>
-              <a:t>for test case 1</a:t>
-            </a:r>
-          </a:p>
-          <a:p>
-            <a:r>
-              <a:rPr lang="en-US" dirty="0" smtClean="0"/>
-              <a:t>Script for test cases 2-8 with particle swarm</a:t>
-            </a:r>
-          </a:p>
-          <a:p>
-            <a:r>
-              <a:rPr lang="en-US" dirty="0" smtClean="0"/>
-              <a:t>Collect and analyze data</a:t>
-            </a:r>
-          </a:p>
-          <a:p>
-            <a:pPr lvl="1"/>
-            <a:r>
-              <a:rPr lang="en-US" dirty="0" smtClean="0"/>
-              <a:t>Overall success of test case</a:t>
-            </a:r>
-          </a:p>
-          <a:p>
-            <a:pPr lvl="1"/>
-            <a:r>
-              <a:rPr lang="en-US" dirty="0" smtClean="0"/>
-              <a:t>Number of trials required to achieve success with limited data set</a:t>
-            </a:r>
-          </a:p>
-          <a:p>
-            <a:pPr lvl="1"/>
-            <a:r>
-              <a:rPr lang="en-US" dirty="0"/>
-              <a:t>Number of trials required to achieve success with </a:t>
-            </a:r>
-            <a:r>
-              <a:rPr lang="en-US" dirty="0" smtClean="0"/>
-              <a:t>full LFW</a:t>
-            </a:r>
-          </a:p>
-          <a:p>
-            <a:pPr lvl="1"/>
-            <a:r>
-              <a:rPr lang="en-US" dirty="0" smtClean="0"/>
-              <a:t>Are the changes detectable to the human eye?</a:t>
-            </a:r>
-          </a:p>
-        </p:txBody>
-      </p:sp>
-    </p:spTree>
-    <p:extLst>
-      <p:ext uri="{BB962C8B-B14F-4D97-AF65-F5344CB8AC3E}">
-        <p14:creationId xmlns:p14="http://schemas.microsoft.com/office/powerpoint/2010/main" val="1124887766"/>
-      </p:ext>
-    </p:extLst>
-  </p:cSld>
-  <p:clrMapOvr>
-    <a:masterClrMapping/>
-  </p:clrMapOvr>
-  <p:timing>
-    <p:tnLst>
-      <p:par>
-        <p:cTn id="1" dur="indefinite" restart="never" nodeType="tmRoot"/>
-      </p:par>
-    </p:tnLst>
-  </p:timing>
-</p:sld>
-</file>
-
-<file path=ppt/slides/slide11.xml><?xml version="1.0" encoding="utf-8"?>
-<p:sld xmlns:a="http://schemas.openxmlformats.org/drawingml/2006/main" xmlns:r="http://schemas.openxmlformats.org/officeDocument/2006/relationships" xmlns:p="http://schemas.openxmlformats.org/presentationml/2006/main">
-  <p:cSld>
-    <p:spTree>
-      <p:nvGrpSpPr>
-        <p:cNvPr id="1" name=""/>
-        <p:cNvGrpSpPr/>
-        <p:nvPr/>
-      </p:nvGrpSpPr>
-      <p:grpSpPr>
-        <a:xfrm>
-          <a:off x="0" y="0"/>
-          <a:ext cx="0" cy="0"/>
-          <a:chOff x="0" y="0"/>
-          <a:chExt cx="0" cy="0"/>
-        </a:xfrm>
-      </p:grpSpPr>
-      <p:sp>
-        <p:nvSpPr>
-          <p:cNvPr id="2" name="Title 1"/>
-          <p:cNvSpPr>
-            <a:spLocks noGrp="1"/>
-          </p:cNvSpPr>
-          <p:nvPr>
-            <p:ph type="title"/>
-          </p:nvPr>
-        </p:nvSpPr>
-        <p:spPr/>
-        <p:txBody>
-          <a:bodyPr/>
-          <a:lstStyle/>
-          <a:p>
-            <a:r>
-              <a:rPr lang="en-US" dirty="0" smtClean="0"/>
-              <a:t>References</a:t>
-            </a:r>
-            <a:endParaRPr lang="en-US" dirty="0"/>
-          </a:p>
-        </p:txBody>
-      </p:sp>
-      <p:sp>
-        <p:nvSpPr>
-          <p:cNvPr id="3" name="Content Placeholder 2"/>
-          <p:cNvSpPr>
-            <a:spLocks noGrp="1"/>
-          </p:cNvSpPr>
-          <p:nvPr>
-            <p:ph idx="1"/>
-          </p:nvPr>
-        </p:nvSpPr>
-        <p:spPr/>
-        <p:txBody>
-          <a:bodyPr/>
-          <a:lstStyle/>
-          <a:p>
-            <a:r>
-              <a:rPr lang="en-US" dirty="0"/>
-              <a:t>Amos, Brandon, </a:t>
-            </a:r>
-            <a:r>
-              <a:rPr lang="en-US" dirty="0" err="1"/>
-              <a:t>Bartosz</a:t>
-            </a:r>
-            <a:r>
-              <a:rPr lang="en-US" dirty="0"/>
-              <a:t> </a:t>
-            </a:r>
-            <a:r>
-              <a:rPr lang="en-US" dirty="0" err="1"/>
-              <a:t>Ludwiczuk</a:t>
-            </a:r>
-            <a:r>
-              <a:rPr lang="en-US" dirty="0"/>
-              <a:t> and </a:t>
-            </a:r>
-            <a:r>
-              <a:rPr lang="en-US" dirty="0" err="1"/>
-              <a:t>Mahadev</a:t>
-            </a:r>
-            <a:r>
-              <a:rPr lang="en-US" dirty="0"/>
-              <a:t> </a:t>
-            </a:r>
-            <a:r>
-              <a:rPr lang="en-US" dirty="0" err="1"/>
-              <a:t>Satyanarayanan</a:t>
-            </a:r>
-            <a:r>
-              <a:rPr lang="en-US" dirty="0"/>
-              <a:t>. “</a:t>
-            </a:r>
-            <a:r>
-              <a:rPr lang="en-US" dirty="0" err="1"/>
-              <a:t>OpenFace</a:t>
-            </a:r>
-            <a:r>
-              <a:rPr lang="en-US" dirty="0"/>
-              <a:t>: A general-purpose face recognition library with mobile applications.” </a:t>
-            </a:r>
-            <a:r>
-              <a:rPr lang="en-US" i="1" dirty="0"/>
-              <a:t>CMU School of Computer Science</a:t>
-            </a:r>
-            <a:r>
-              <a:rPr lang="en-US" dirty="0"/>
-              <a:t> (2016).</a:t>
-            </a:r>
-            <a:endParaRPr lang="en-US" dirty="0" smtClean="0"/>
-          </a:p>
-          <a:p>
-            <a:r>
-              <a:rPr lang="en-US" dirty="0"/>
-              <a:t>Gary B. Huang, Manu Ramesh, Tamara Berg, and Erik </a:t>
-            </a:r>
-            <a:r>
-              <a:rPr lang="en-US" dirty="0" smtClean="0"/>
-              <a:t>Learned-Miller. Labeled </a:t>
-            </a:r>
-            <a:r>
-              <a:rPr lang="en-US" dirty="0"/>
-              <a:t>Faces in the Wild: A Database for Studying Face Recognition in Unconstrained </a:t>
-            </a:r>
-            <a:r>
-              <a:rPr lang="en-US" dirty="0" smtClean="0"/>
-              <a:t>Environments. </a:t>
-            </a:r>
-            <a:r>
-              <a:rPr lang="en-US" i="1" dirty="0" smtClean="0"/>
-              <a:t>University </a:t>
-            </a:r>
-            <a:r>
-              <a:rPr lang="en-US" i="1" dirty="0"/>
-              <a:t>of Massachusetts, Amherst, Technical Report 07-49</a:t>
-            </a:r>
-            <a:r>
-              <a:rPr lang="en-US" dirty="0"/>
-              <a:t>, October, 2007</a:t>
-            </a:r>
-            <a:r>
-              <a:rPr lang="en-US" dirty="0" smtClean="0"/>
-              <a:t>.</a:t>
-            </a:r>
-            <a:endParaRPr lang="en-US" dirty="0"/>
-          </a:p>
-        </p:txBody>
-      </p:sp>
-    </p:spTree>
-    <p:extLst>
-      <p:ext uri="{BB962C8B-B14F-4D97-AF65-F5344CB8AC3E}">
-        <p14:creationId xmlns:p14="http://schemas.microsoft.com/office/powerpoint/2010/main" val="742293331"/>
-      </p:ext>
-    </p:extLst>
-  </p:cSld>
-  <p:clrMapOvr>
-    <a:masterClrMapping/>
-  </p:clrMapOvr>
-  <p:timing>
-    <p:tnLst>
-      <p:par>
-        <p:cTn id="1" dur="indefinite" restart="never" nodeType="tmRoot"/>
-      </p:par>
-    </p:tnLst>
-  </p:timing>
-</p:sld>
-</file>
-
-<file path=ppt/slides/slide2.xml><?xml version="1.0" encoding="utf-8"?>
-<p:sld xmlns:a="http://schemas.openxmlformats.org/drawingml/2006/main" xmlns:r="http://schemas.openxmlformats.org/officeDocument/2006/relationships" xmlns:p="http://schemas.openxmlformats.org/presentationml/2006/main">
-  <p:cSld>
-    <p:spTree>
-      <p:nvGrpSpPr>
-        <p:cNvPr id="1" name=""/>
-        <p:cNvGrpSpPr/>
-        <p:nvPr/>
-      </p:nvGrpSpPr>
-      <p:grpSpPr>
-        <a:xfrm>
-          <a:off x="0" y="0"/>
-          <a:ext cx="0" cy="0"/>
-          <a:chOff x="0" y="0"/>
-          <a:chExt cx="0" cy="0"/>
-        </a:xfrm>
-      </p:grpSpPr>
-      <p:sp>
-        <p:nvSpPr>
-          <p:cNvPr id="2" name="Title 1"/>
-          <p:cNvSpPr>
-            <a:spLocks noGrp="1"/>
-          </p:cNvSpPr>
-          <p:nvPr>
-            <p:ph type="title"/>
-          </p:nvPr>
-        </p:nvSpPr>
-        <p:spPr/>
-        <p:txBody>
-          <a:bodyPr/>
-          <a:lstStyle/>
-          <a:p>
-            <a:r>
-              <a:rPr lang="en-US" dirty="0"/>
-              <a:t>Data </a:t>
-            </a:r>
-            <a:r>
-              <a:rPr lang="en-US" dirty="0" smtClean="0"/>
-              <a:t>Set: Labeled Faces in the Wild</a:t>
-            </a:r>
-            <a:endParaRPr lang="en-US" dirty="0"/>
-          </a:p>
-        </p:txBody>
-      </p:sp>
-      <p:sp>
-        <p:nvSpPr>
-          <p:cNvPr id="3" name="Content Placeholder 2"/>
-          <p:cNvSpPr>
-            <a:spLocks noGrp="1"/>
-          </p:cNvSpPr>
-          <p:nvPr>
-            <p:ph idx="1"/>
-          </p:nvPr>
-        </p:nvSpPr>
-        <p:spPr>
-          <a:xfrm>
-            <a:off x="1122830" y="2616752"/>
-            <a:ext cx="8825659" cy="3416300"/>
-          </a:xfrm>
-        </p:spPr>
-        <p:txBody>
-          <a:bodyPr/>
-          <a:lstStyle/>
-          <a:p>
-            <a:r>
-              <a:rPr lang="en-US" dirty="0" smtClean="0"/>
-              <a:t>Public data set with 13k labeled images of 5k famous people</a:t>
-            </a:r>
-          </a:p>
-          <a:p>
-            <a:r>
-              <a:rPr lang="en-US" dirty="0" smtClean="0"/>
-              <a:t>Images are unconstrained (angle, expression)</a:t>
-            </a:r>
-          </a:p>
-          <a:p>
-            <a:r>
-              <a:rPr lang="en-US" dirty="0" smtClean="0"/>
-              <a:t>Data set is heavily biased (78% men, 83% white)</a:t>
-            </a:r>
-          </a:p>
-          <a:p>
-            <a:pPr lvl="1"/>
-            <a:r>
-              <a:rPr lang="en-US" dirty="0" smtClean="0"/>
-              <a:t>Have to supplement for test cases insufficiently represented</a:t>
-            </a:r>
-          </a:p>
-          <a:p>
-            <a:r>
-              <a:rPr lang="en-US" dirty="0" smtClean="0"/>
-              <a:t>Used for benchmarking facial recognition algorithms</a:t>
-            </a:r>
-          </a:p>
-          <a:p>
-            <a:endParaRPr lang="en-US" dirty="0"/>
-          </a:p>
-        </p:txBody>
-      </p:sp>
-      <p:pic>
-        <p:nvPicPr>
-          <p:cNvPr id="6150" name="Picture 6" descr="riginal image of Miguel Angel Rodriguez"/>
-          <p:cNvPicPr>
-            <a:picLocks noChangeAspect="1" noChangeArrowheads="1"/>
-          </p:cNvPicPr>
-          <p:nvPr/>
-        </p:nvPicPr>
-        <p:blipFill>
-          <a:blip r:embed="rId2">
-            <a:extLst>
-              <a:ext uri="{28A0092B-C50C-407E-A947-70E740481C1C}">
-                <a14:useLocalDpi xmlns:a14="http://schemas.microsoft.com/office/drawing/2010/main" val="0"/>
-              </a:ext>
-            </a:extLst>
-          </a:blip>
-          <a:srcRect/>
-          <a:stretch>
-            <a:fillRect/>
-          </a:stretch>
-        </p:blipFill>
-        <p:spPr bwMode="auto">
-          <a:xfrm>
-            <a:off x="5287619" y="4803083"/>
-            <a:ext cx="1428750" cy="1428750"/>
-          </a:xfrm>
-          <a:prstGeom prst="rect">
-            <a:avLst/>
-          </a:prstGeom>
-          <a:noFill/>
-          <a:extLst>
-            <a:ext uri="{909E8E84-426E-40DD-AFC4-6F175D3DCCD1}">
-              <a14:hiddenFill xmlns:a14="http://schemas.microsoft.com/office/drawing/2010/main">
-                <a:solidFill>
-                  <a:srgbClr val="FFFFFF"/>
-                </a:solidFill>
-              </a14:hiddenFill>
-            </a:ext>
-          </a:extLst>
-        </p:spPr>
-      </p:pic>
-      <p:pic>
-        <p:nvPicPr>
-          <p:cNvPr id="6152" name="Picture 8" descr="riginal image of Michelle Kwan"/>
-          <p:cNvPicPr>
-            <a:picLocks noChangeAspect="1" noChangeArrowheads="1"/>
-          </p:cNvPicPr>
-          <p:nvPr/>
-        </p:nvPicPr>
-        <p:blipFill>
-          <a:blip r:embed="rId3">
-            <a:extLst>
-              <a:ext uri="{28A0092B-C50C-407E-A947-70E740481C1C}">
-                <a14:useLocalDpi xmlns:a14="http://schemas.microsoft.com/office/drawing/2010/main" val="0"/>
-              </a:ext>
-            </a:extLst>
-          </a:blip>
-          <a:srcRect/>
-          <a:stretch>
-            <a:fillRect/>
-          </a:stretch>
-        </p:blipFill>
-        <p:spPr bwMode="auto">
-          <a:xfrm>
-            <a:off x="7182681" y="4803083"/>
-            <a:ext cx="1428750" cy="1428750"/>
-          </a:xfrm>
-          <a:prstGeom prst="rect">
-            <a:avLst/>
-          </a:prstGeom>
-          <a:noFill/>
-          <a:extLst>
-            <a:ext uri="{909E8E84-426E-40DD-AFC4-6F175D3DCCD1}">
-              <a14:hiddenFill xmlns:a14="http://schemas.microsoft.com/office/drawing/2010/main">
-                <a:solidFill>
-                  <a:srgbClr val="FFFFFF"/>
-                </a:solidFill>
-              </a14:hiddenFill>
-            </a:ext>
-          </a:extLst>
-        </p:spPr>
-      </p:pic>
-      <p:pic>
-        <p:nvPicPr>
-          <p:cNvPr id="6154" name="Picture 10" descr="riginal image of Morgan Freeman"/>
-          <p:cNvPicPr>
-            <a:picLocks noChangeAspect="1" noChangeArrowheads="1"/>
-          </p:cNvPicPr>
-          <p:nvPr/>
-        </p:nvPicPr>
-        <p:blipFill>
-          <a:blip r:embed="rId4">
-            <a:extLst>
-              <a:ext uri="{28A0092B-C50C-407E-A947-70E740481C1C}">
-                <a14:useLocalDpi xmlns:a14="http://schemas.microsoft.com/office/drawing/2010/main" val="0"/>
-              </a:ext>
-            </a:extLst>
-          </a:blip>
-          <a:srcRect/>
-          <a:stretch>
-            <a:fillRect/>
-          </a:stretch>
-        </p:blipFill>
-        <p:spPr bwMode="auto">
-          <a:xfrm>
-            <a:off x="3383334" y="4803083"/>
-            <a:ext cx="1428750" cy="1428750"/>
-          </a:xfrm>
-          <a:prstGeom prst="rect">
-            <a:avLst/>
-          </a:prstGeom>
-          <a:noFill/>
-          <a:extLst>
-            <a:ext uri="{909E8E84-426E-40DD-AFC4-6F175D3DCCD1}">
-              <a14:hiddenFill xmlns:a14="http://schemas.microsoft.com/office/drawing/2010/main">
-                <a:solidFill>
-                  <a:srgbClr val="FFFFFF"/>
-                </a:solidFill>
-              </a14:hiddenFill>
-            </a:ext>
-          </a:extLst>
-        </p:spPr>
-      </p:pic>
-      <p:pic>
-        <p:nvPicPr>
-          <p:cNvPr id="6158" name="Picture 14" descr="riginal image of Moshe Katsav"/>
-          <p:cNvPicPr>
-            <a:picLocks noChangeAspect="1" noChangeArrowheads="1"/>
-          </p:cNvPicPr>
-          <p:nvPr/>
-        </p:nvPicPr>
-        <p:blipFill>
-          <a:blip r:embed="rId5">
-            <a:extLst>
-              <a:ext uri="{28A0092B-C50C-407E-A947-70E740481C1C}">
-                <a14:useLocalDpi xmlns:a14="http://schemas.microsoft.com/office/drawing/2010/main" val="0"/>
-              </a:ext>
-            </a:extLst>
-          </a:blip>
-          <a:srcRect/>
-          <a:stretch>
-            <a:fillRect/>
-          </a:stretch>
-        </p:blipFill>
-        <p:spPr bwMode="auto">
-          <a:xfrm>
-            <a:off x="9077743" y="4803083"/>
-            <a:ext cx="1428750" cy="1428750"/>
-          </a:xfrm>
-          <a:prstGeom prst="rect">
-            <a:avLst/>
-          </a:prstGeom>
-          <a:noFill/>
-          <a:extLst>
-            <a:ext uri="{909E8E84-426E-40DD-AFC4-6F175D3DCCD1}">
-              <a14:hiddenFill xmlns:a14="http://schemas.microsoft.com/office/drawing/2010/main">
-                <a:solidFill>
-                  <a:srgbClr val="FFFFFF"/>
-                </a:solidFill>
-              </a14:hiddenFill>
-            </a:ext>
-          </a:extLst>
-        </p:spPr>
-      </p:pic>
-      <p:pic>
-        <p:nvPicPr>
-          <p:cNvPr id="6160" name="Picture 16" descr="riginal image of John Lennon"/>
-          <p:cNvPicPr>
-            <a:picLocks noChangeAspect="1" noChangeArrowheads="1"/>
-          </p:cNvPicPr>
-          <p:nvPr/>
-        </p:nvPicPr>
-        <p:blipFill>
-          <a:blip r:embed="rId6">
-            <a:extLst>
-              <a:ext uri="{28A0092B-C50C-407E-A947-70E740481C1C}">
-                <a14:useLocalDpi xmlns:a14="http://schemas.microsoft.com/office/drawing/2010/main" val="0"/>
-              </a:ext>
-            </a:extLst>
-          </a:blip>
-          <a:srcRect/>
-          <a:stretch>
-            <a:fillRect/>
-          </a:stretch>
-        </p:blipFill>
-        <p:spPr bwMode="auto">
-          <a:xfrm>
-            <a:off x="1488272" y="4803083"/>
-            <a:ext cx="1428750" cy="1428750"/>
-          </a:xfrm>
-          <a:prstGeom prst="rect">
-            <a:avLst/>
-          </a:prstGeom>
-          <a:noFill/>
-          <a:extLst>
-            <a:ext uri="{909E8E84-426E-40DD-AFC4-6F175D3DCCD1}">
-              <a14:hiddenFill xmlns:a14="http://schemas.microsoft.com/office/drawing/2010/main">
-                <a:solidFill>
-                  <a:srgbClr val="FFFFFF"/>
-                </a:solidFill>
-              </a14:hiddenFill>
-            </a:ext>
-          </a:extLst>
-        </p:spPr>
-      </p:pic>
-    </p:spTree>
-    <p:extLst>
-      <p:ext uri="{BB962C8B-B14F-4D97-AF65-F5344CB8AC3E}">
-        <p14:creationId xmlns:p14="http://schemas.microsoft.com/office/powerpoint/2010/main" val="542988435"/>
-      </p:ext>
-    </p:extLst>
-  </p:cSld>
-  <p:clrMapOvr>
-    <a:masterClrMapping/>
-  </p:clrMapOvr>
-  <p:timing>
-    <p:tnLst>
-      <p:par>
-        <p:cTn id="1" dur="indefinite" restart="never" nodeType="tmRoot"/>
-      </p:par>
-    </p:tnLst>
-  </p:timing>
-</p:sld>
-</file>
-
-<file path=ppt/slides/slide3.xml><?xml version="1.0" encoding="utf-8"?>
-<p:sld xmlns:a="http://schemas.openxmlformats.org/drawingml/2006/main" xmlns:r="http://schemas.openxmlformats.org/officeDocument/2006/relationships" xmlns:p="http://schemas.openxmlformats.org/presentationml/2006/main">
-  <p:cSld>
-    <p:spTree>
-      <p:nvGrpSpPr>
-        <p:cNvPr id="1" name=""/>
-        <p:cNvGrpSpPr/>
-        <p:nvPr/>
-      </p:nvGrpSpPr>
-      <p:grpSpPr>
-        <a:xfrm>
-          <a:off x="0" y="0"/>
-          <a:ext cx="0" cy="0"/>
-          <a:chOff x="0" y="0"/>
-          <a:chExt cx="0" cy="0"/>
-        </a:xfrm>
-      </p:grpSpPr>
-      <p:sp>
-        <p:nvSpPr>
-          <p:cNvPr id="2" name="Title 1"/>
-          <p:cNvSpPr>
-            <a:spLocks noGrp="1"/>
-          </p:cNvSpPr>
-          <p:nvPr>
-            <p:ph type="title"/>
-          </p:nvPr>
-        </p:nvSpPr>
-        <p:spPr/>
-        <p:txBody>
-          <a:bodyPr/>
-          <a:lstStyle/>
-          <a:p>
-            <a:r>
-              <a:rPr lang="en-US" dirty="0" smtClean="0"/>
-              <a:t>Facial Recognition Workflow</a:t>
-            </a:r>
-            <a:endParaRPr lang="en-US" dirty="0"/>
-          </a:p>
-        </p:txBody>
-      </p:sp>
-      <p:graphicFrame>
-        <p:nvGraphicFramePr>
-          <p:cNvPr id="4" name="Diagram 3"/>
-          <p:cNvGraphicFramePr/>
-          <p:nvPr>
-            <p:extLst>
-              <p:ext uri="{D42A27DB-BD31-4B8C-83A1-F6EECF244321}">
-                <p14:modId xmlns:p14="http://schemas.microsoft.com/office/powerpoint/2010/main" val="653764648"/>
-              </p:ext>
-            </p:extLst>
-          </p:nvPr>
-        </p:nvGraphicFramePr>
-        <p:xfrm>
-          <a:off x="479685" y="2358887"/>
-          <a:ext cx="11227633" cy="4386470"/>
-        </p:xfrm>
-        <a:graphic>
-          <a:graphicData uri="http://schemas.openxmlformats.org/drawingml/2006/diagram">
-            <dgm:relIds xmlns:dgm="http://schemas.openxmlformats.org/drawingml/2006/diagram" xmlns:r="http://schemas.openxmlformats.org/officeDocument/2006/relationships" r:dm="rId2" r:lo="rId3" r:qs="rId4" r:cs="rId5"/>
-          </a:graphicData>
-        </a:graphic>
-      </p:graphicFrame>
-    </p:spTree>
-    <p:extLst>
-      <p:ext uri="{BB962C8B-B14F-4D97-AF65-F5344CB8AC3E}">
-        <p14:creationId xmlns:p14="http://schemas.microsoft.com/office/powerpoint/2010/main" val="1452355130"/>
-      </p:ext>
-    </p:extLst>
-  </p:cSld>
-  <p:clrMapOvr>
-    <a:masterClrMapping/>
-  </p:clrMapOvr>
-  <p:timing>
-    <p:tnLst>
-      <p:par>
-        <p:cTn id="1" dur="indefinite" restart="never" nodeType="tmRoot"/>
-      </p:par>
-    </p:tnLst>
-  </p:timing>
-</p:sld>
-</file>
-
-<file path=ppt/slides/slide4.xml><?xml version="1.0" encoding="utf-8"?>
-<p:sld xmlns:a="http://schemas.openxmlformats.org/drawingml/2006/main" xmlns:r="http://schemas.openxmlformats.org/officeDocument/2006/relationships" xmlns:p="http://schemas.openxmlformats.org/presentationml/2006/main">
-  <p:cSld>
-    <p:spTree>
-      <p:nvGrpSpPr>
-        <p:cNvPr id="1" name=""/>
-        <p:cNvGrpSpPr/>
-        <p:nvPr/>
-      </p:nvGrpSpPr>
-      <p:grpSpPr>
-        <a:xfrm>
-          <a:off x="0" y="0"/>
-          <a:ext cx="0" cy="0"/>
-          <a:chOff x="0" y="0"/>
-          <a:chExt cx="0" cy="0"/>
-        </a:xfrm>
-      </p:grpSpPr>
-      <p:sp>
-        <p:nvSpPr>
-          <p:cNvPr id="2" name="Title 1"/>
-          <p:cNvSpPr>
-            <a:spLocks noGrp="1"/>
-          </p:cNvSpPr>
-          <p:nvPr>
-            <p:ph type="title"/>
-          </p:nvPr>
-        </p:nvSpPr>
-        <p:spPr/>
-        <p:txBody>
-          <a:bodyPr/>
-          <a:lstStyle/>
-          <a:p>
-            <a:r>
-              <a:rPr lang="en-US" dirty="0" smtClean="0"/>
-              <a:t>Face Detection</a:t>
-            </a:r>
-            <a:endParaRPr lang="en-US" dirty="0"/>
-          </a:p>
-        </p:txBody>
-      </p:sp>
-      <p:sp>
-        <p:nvSpPr>
-          <p:cNvPr id="3" name="Content Placeholder 2"/>
-          <p:cNvSpPr>
-            <a:spLocks noGrp="1"/>
-          </p:cNvSpPr>
-          <p:nvPr>
-            <p:ph idx="1"/>
-          </p:nvPr>
-        </p:nvSpPr>
-        <p:spPr>
-          <a:xfrm>
-            <a:off x="1154954" y="2603500"/>
-            <a:ext cx="4136573" cy="3416300"/>
-          </a:xfrm>
-        </p:spPr>
-        <p:txBody>
-          <a:bodyPr/>
-          <a:lstStyle/>
-          <a:p>
-            <a:r>
-              <a:rPr lang="en-US" dirty="0" err="1" smtClean="0"/>
-              <a:t>dlib</a:t>
-            </a:r>
-            <a:r>
-              <a:rPr lang="en-US" dirty="0" smtClean="0"/>
-              <a:t> CNN Face Detector API</a:t>
-            </a:r>
-          </a:p>
-          <a:p>
-            <a:r>
-              <a:rPr lang="en-US" dirty="0" smtClean="0"/>
-              <a:t>Converts image to Histogram of Oriented Gradients (HOG) </a:t>
-            </a:r>
-          </a:p>
-          <a:p>
-            <a:r>
-              <a:rPr lang="en-US" dirty="0" smtClean="0"/>
-              <a:t>Runs SVM classifier</a:t>
-            </a:r>
-          </a:p>
-          <a:p>
-            <a:endParaRPr lang="en-US" dirty="0"/>
-          </a:p>
-        </p:txBody>
-      </p:sp>
-      <p:pic>
-        <p:nvPicPr>
-          <p:cNvPr id="3074" name="Picture 2" descr="ttps://i1.wp.com/www.hackevolve.com/wp-content/uploads/2017/09/face_hog.png"/>
-          <p:cNvPicPr>
-            <a:picLocks noChangeAspect="1" noChangeArrowheads="1"/>
-          </p:cNvPicPr>
-          <p:nvPr/>
-        </p:nvPicPr>
-        <p:blipFill>
-          <a:blip r:embed="rId2">
-            <a:extLst>
-              <a:ext uri="{28A0092B-C50C-407E-A947-70E740481C1C}">
-                <a14:useLocalDpi xmlns:a14="http://schemas.microsoft.com/office/drawing/2010/main" val="0"/>
-              </a:ext>
-            </a:extLst>
-          </a:blip>
-          <a:srcRect/>
-          <a:stretch>
-            <a:fillRect/>
-          </a:stretch>
-        </p:blipFill>
-        <p:spPr bwMode="auto">
-          <a:xfrm>
-            <a:off x="6041036" y="2603499"/>
-            <a:ext cx="4905251" cy="3189565"/>
-          </a:xfrm>
-          <a:prstGeom prst="rect">
-            <a:avLst/>
-          </a:prstGeom>
-          <a:noFill/>
-          <a:extLst>
-            <a:ext uri="{909E8E84-426E-40DD-AFC4-6F175D3DCCD1}">
-              <a14:hiddenFill xmlns:a14="http://schemas.microsoft.com/office/drawing/2010/main">
-                <a:solidFill>
-                  <a:srgbClr val="FFFFFF"/>
-                </a:solidFill>
-              </a14:hiddenFill>
-            </a:ext>
-          </a:extLst>
-        </p:spPr>
-      </p:pic>
-      <p:sp>
-        <p:nvSpPr>
-          <p:cNvPr id="5" name="TextBox 4"/>
-          <p:cNvSpPr txBox="1"/>
-          <p:nvPr/>
-        </p:nvSpPr>
-        <p:spPr>
-          <a:xfrm>
-            <a:off x="6041036" y="5876140"/>
-            <a:ext cx="5016117" cy="246221"/>
-          </a:xfrm>
-          <a:prstGeom prst="rect">
-            <a:avLst/>
-          </a:prstGeom>
-          <a:noFill/>
-        </p:spPr>
-        <p:txBody>
-          <a:bodyPr wrap="none" rtlCol="0">
-            <a:spAutoFit/>
-          </a:bodyPr>
-          <a:lstStyle/>
-          <a:p>
-            <a:r>
-              <a:rPr lang="en-US" sz="1000" dirty="0"/>
-              <a:t>Image source: http://</a:t>
-            </a:r>
-            <a:r>
-              <a:rPr lang="en-US" sz="1000" dirty="0" err="1"/>
-              <a:t>www.hackevolve.com</a:t>
-            </a:r>
-            <a:r>
-              <a:rPr lang="en-US" sz="1000" dirty="0"/>
-              <a:t>/face-recognition-deep-learning/</a:t>
-            </a:r>
-          </a:p>
-        </p:txBody>
-      </p:sp>
-    </p:spTree>
-    <p:extLst>
-      <p:ext uri="{BB962C8B-B14F-4D97-AF65-F5344CB8AC3E}">
-        <p14:creationId xmlns:p14="http://schemas.microsoft.com/office/powerpoint/2010/main" val="2095201131"/>
-      </p:ext>
-    </p:extLst>
-  </p:cSld>
-  <p:clrMapOvr>
-    <a:masterClrMapping/>
-  </p:clrMapOvr>
-  <p:timing>
-    <p:tnLst>
-      <p:par>
-        <p:cTn id="1" dur="indefinite" restart="never" nodeType="tmRoot"/>
-      </p:par>
-    </p:tnLst>
-  </p:timing>
-</p:sld>
-</file>
-
-<file path=ppt/slides/slide5.xml><?xml version="1.0" encoding="utf-8"?>
-<p:sld xmlns:a="http://schemas.openxmlformats.org/drawingml/2006/main" xmlns:r="http://schemas.openxmlformats.org/officeDocument/2006/relationships" xmlns:p="http://schemas.openxmlformats.org/presentationml/2006/main">
-  <p:cSld>
-    <p:spTree>
-      <p:nvGrpSpPr>
-        <p:cNvPr id="1" name=""/>
-        <p:cNvGrpSpPr/>
-        <p:nvPr/>
-      </p:nvGrpSpPr>
-      <p:grpSpPr>
-        <a:xfrm>
-          <a:off x="0" y="0"/>
-          <a:ext cx="0" cy="0"/>
-          <a:chOff x="0" y="0"/>
-          <a:chExt cx="0" cy="0"/>
-        </a:xfrm>
-      </p:grpSpPr>
-      <p:sp>
-        <p:nvSpPr>
-          <p:cNvPr id="2" name="Title 1"/>
-          <p:cNvSpPr>
-            <a:spLocks noGrp="1"/>
-          </p:cNvSpPr>
-          <p:nvPr>
-            <p:ph type="title"/>
-          </p:nvPr>
-        </p:nvSpPr>
-        <p:spPr/>
-        <p:txBody>
-          <a:bodyPr/>
-          <a:lstStyle/>
-          <a:p>
-            <a:r>
-              <a:rPr lang="en-US" dirty="0" smtClean="0"/>
-              <a:t>Affine Transformation &amp; Normalization</a:t>
-            </a:r>
-            <a:endParaRPr lang="en-US" dirty="0"/>
-          </a:p>
-        </p:txBody>
-      </p:sp>
-      <p:sp>
-        <p:nvSpPr>
-          <p:cNvPr id="3" name="Content Placeholder 2"/>
-          <p:cNvSpPr>
-            <a:spLocks noGrp="1"/>
-          </p:cNvSpPr>
-          <p:nvPr>
-            <p:ph idx="1"/>
-          </p:nvPr>
-        </p:nvSpPr>
-        <p:spPr>
-          <a:xfrm>
-            <a:off x="1154954" y="2603500"/>
-            <a:ext cx="5485689" cy="3416300"/>
-          </a:xfrm>
-        </p:spPr>
-        <p:txBody>
-          <a:bodyPr/>
-          <a:lstStyle/>
-          <a:p>
-            <a:r>
-              <a:rPr lang="en-US" dirty="0" err="1" smtClean="0"/>
-              <a:t>OpenFace</a:t>
-            </a:r>
-            <a:r>
-              <a:rPr lang="en-US" dirty="0" smtClean="0"/>
-              <a:t> </a:t>
-            </a:r>
-            <a:r>
-              <a:rPr lang="en-US" dirty="0" err="1" smtClean="0"/>
-              <a:t>AlignDlib</a:t>
-            </a:r>
-            <a:r>
-              <a:rPr lang="en-US" dirty="0" smtClean="0"/>
-              <a:t> API</a:t>
-            </a:r>
-          </a:p>
-          <a:p>
-            <a:r>
-              <a:rPr lang="en-US" dirty="0" smtClean="0"/>
-              <a:t>Image </a:t>
-            </a:r>
-            <a:r>
-              <a:rPr lang="en-US" dirty="0"/>
-              <a:t>is cropped to detected face area</a:t>
-            </a:r>
-          </a:p>
-          <a:p>
-            <a:r>
-              <a:rPr lang="en-US" dirty="0" smtClean="0"/>
-              <a:t>Facial landmarks are detected</a:t>
-            </a:r>
-          </a:p>
-          <a:p>
-            <a:r>
-              <a:rPr lang="en-US" dirty="0" smtClean="0"/>
-              <a:t>Image is transformed to have outer eyes and nose in a standard position</a:t>
-            </a:r>
-          </a:p>
-          <a:p>
-            <a:r>
-              <a:rPr lang="en-US" dirty="0" smtClean="0"/>
-              <a:t>Image is resized</a:t>
-            </a:r>
-          </a:p>
-        </p:txBody>
-      </p:sp>
-      <p:pic>
-        <p:nvPicPr>
-          <p:cNvPr id="4" name="Picture 4" descr="https://blog.algorithmia.com/wp-content/uploads/2018/01/affine_transformation.png"/>
-          <p:cNvPicPr>
-            <a:picLocks noChangeAspect="1" noChangeArrowheads="1"/>
-          </p:cNvPicPr>
-          <p:nvPr/>
-        </p:nvPicPr>
-        <p:blipFill>
-          <a:blip r:embed="rId2">
-            <a:extLst>
-              <a:ext uri="{28A0092B-C50C-407E-A947-70E740481C1C}">
-                <a14:useLocalDpi xmlns:a14="http://schemas.microsoft.com/office/drawing/2010/main" val="0"/>
-              </a:ext>
-            </a:extLst>
-          </a:blip>
-          <a:srcRect/>
-          <a:stretch>
-            <a:fillRect/>
-          </a:stretch>
-        </p:blipFill>
-        <p:spPr bwMode="auto">
-          <a:xfrm>
-            <a:off x="7260876" y="2363657"/>
-            <a:ext cx="3966756" cy="4254500"/>
-          </a:xfrm>
-          <a:prstGeom prst="rect">
-            <a:avLst/>
-          </a:prstGeom>
-          <a:noFill/>
-          <a:extLst>
-            <a:ext uri="{909E8E84-426E-40DD-AFC4-6F175D3DCCD1}">
-              <a14:hiddenFill xmlns:a14="http://schemas.microsoft.com/office/drawing/2010/main">
-                <a:solidFill>
-                  <a:srgbClr val="FFFFFF"/>
-                </a:solidFill>
-              </a14:hiddenFill>
-            </a:ext>
-          </a:extLst>
-        </p:spPr>
-      </p:pic>
-      <p:sp>
-        <p:nvSpPr>
-          <p:cNvPr id="5" name="TextBox 4"/>
-          <p:cNvSpPr txBox="1"/>
-          <p:nvPr/>
-        </p:nvSpPr>
-        <p:spPr>
-          <a:xfrm>
-            <a:off x="7260876" y="6569996"/>
-            <a:ext cx="3801041" cy="246221"/>
-          </a:xfrm>
-          <a:prstGeom prst="rect">
-            <a:avLst/>
-          </a:prstGeom>
-          <a:noFill/>
-        </p:spPr>
-        <p:txBody>
-          <a:bodyPr wrap="none" rtlCol="0">
-            <a:spAutoFit/>
-          </a:bodyPr>
-          <a:lstStyle/>
-          <a:p>
-            <a:r>
-              <a:rPr lang="en-US" sz="1000" dirty="0" smtClean="0"/>
-              <a:t>Image source: Amos, </a:t>
-            </a:r>
-            <a:r>
-              <a:rPr lang="en-US" sz="1000" dirty="0" err="1" smtClean="0"/>
-              <a:t>Ludwiczuk</a:t>
-            </a:r>
-            <a:r>
-              <a:rPr lang="en-US" sz="1000" dirty="0" smtClean="0"/>
-              <a:t> &amp; </a:t>
-            </a:r>
-            <a:r>
-              <a:rPr lang="en-US" sz="1000" dirty="0" err="1" smtClean="0"/>
-              <a:t>Satyanarayanan</a:t>
-            </a:r>
-            <a:r>
-              <a:rPr lang="en-US" sz="1000" dirty="0" smtClean="0"/>
-              <a:t> (2016)</a:t>
-            </a:r>
-            <a:endParaRPr lang="en-US" sz="1000" dirty="0"/>
-          </a:p>
-        </p:txBody>
-      </p:sp>
-    </p:spTree>
-    <p:extLst>
-      <p:ext uri="{BB962C8B-B14F-4D97-AF65-F5344CB8AC3E}">
-        <p14:creationId xmlns:p14="http://schemas.microsoft.com/office/powerpoint/2010/main" val="299166273"/>
-      </p:ext>
-    </p:extLst>
-  </p:cSld>
-  <p:clrMapOvr>
-    <a:masterClrMapping/>
-  </p:clrMapOvr>
-  <p:timing>
-    <p:tnLst>
-      <p:par>
-        <p:cTn id="1" dur="indefinite" restart="never" nodeType="tmRoot"/>
-      </p:par>
-    </p:tnLst>
-  </p:timing>
-</p:sld>
-</file>
-
-<file path=ppt/slides/slide6.xml><?xml version="1.0" encoding="utf-8"?>
-<p:sld xmlns:a="http://schemas.openxmlformats.org/drawingml/2006/main" xmlns:r="http://schemas.openxmlformats.org/officeDocument/2006/relationships" xmlns:p="http://schemas.openxmlformats.org/presentationml/2006/main">
-  <p:cSld>
-    <p:spTree>
-      <p:nvGrpSpPr>
-        <p:cNvPr id="1" name=""/>
-        <p:cNvGrpSpPr/>
-        <p:nvPr/>
-      </p:nvGrpSpPr>
-      <p:grpSpPr>
-        <a:xfrm>
-          <a:off x="0" y="0"/>
-          <a:ext cx="0" cy="0"/>
-          <a:chOff x="0" y="0"/>
-          <a:chExt cx="0" cy="0"/>
-        </a:xfrm>
-      </p:grpSpPr>
-      <p:sp>
-        <p:nvSpPr>
-          <p:cNvPr id="2" name="Title 1"/>
-          <p:cNvSpPr>
-            <a:spLocks noGrp="1"/>
-          </p:cNvSpPr>
-          <p:nvPr>
-            <p:ph type="title"/>
-          </p:nvPr>
-        </p:nvSpPr>
-        <p:spPr/>
-        <p:txBody>
-          <a:bodyPr/>
-          <a:lstStyle/>
-          <a:p>
-            <a:r>
-              <a:rPr lang="en-US" dirty="0" smtClean="0"/>
-              <a:t>Face Morphology Embedding</a:t>
-            </a:r>
-            <a:endParaRPr lang="en-US" dirty="0"/>
-          </a:p>
-        </p:txBody>
-      </p:sp>
-      <p:sp>
-        <p:nvSpPr>
-          <p:cNvPr id="3" name="Content Placeholder 2"/>
-          <p:cNvSpPr>
-            <a:spLocks noGrp="1"/>
-          </p:cNvSpPr>
-          <p:nvPr>
-            <p:ph idx="1"/>
-          </p:nvPr>
-        </p:nvSpPr>
-        <p:spPr>
-          <a:xfrm>
-            <a:off x="1154954" y="2630005"/>
-            <a:ext cx="8825659" cy="4075596"/>
-          </a:xfrm>
-        </p:spPr>
-        <p:txBody>
-          <a:bodyPr>
-            <a:normAutofit/>
-          </a:bodyPr>
-          <a:lstStyle/>
-          <a:p>
-            <a:pPr defTabSz="914400">
-              <a:spcBef>
-                <a:spcPts val="0"/>
-              </a:spcBef>
-              <a:buClrTx/>
-              <a:buSzTx/>
-            </a:pPr>
-            <a:r>
-              <a:rPr lang="en-US" dirty="0" err="1" smtClean="0"/>
-              <a:t>OpenFace</a:t>
-            </a:r>
-            <a:r>
-              <a:rPr lang="en-US" dirty="0" smtClean="0"/>
-              <a:t> pre-trained CNN</a:t>
-            </a:r>
-          </a:p>
-          <a:p>
-            <a:pPr defTabSz="914400">
-              <a:spcBef>
-                <a:spcPts val="0"/>
-              </a:spcBef>
-              <a:buClrTx/>
-              <a:buSzTx/>
-            </a:pPr>
-            <a:r>
-              <a:rPr lang="en-US" dirty="0" smtClean="0"/>
-              <a:t>Has 92.92% accuracy on LFW</a:t>
-            </a:r>
-          </a:p>
-          <a:p>
-            <a:pPr defTabSz="914400">
-              <a:spcBef>
-                <a:spcPts val="0"/>
-              </a:spcBef>
-              <a:buClrTx/>
-              <a:buSzTx/>
-            </a:pPr>
-            <a:r>
-              <a:rPr lang="en-US" dirty="0" smtClean="0"/>
-              <a:t>39 layers encode face morphology</a:t>
-            </a:r>
-          </a:p>
-          <a:p>
-            <a:pPr defTabSz="914400">
-              <a:spcBef>
-                <a:spcPts val="0"/>
-              </a:spcBef>
-              <a:buClrTx/>
-              <a:buSzTx/>
-            </a:pPr>
-            <a:r>
-              <a:rPr lang="en-US" dirty="0"/>
-              <a:t>Output is </a:t>
-            </a:r>
-            <a:r>
-              <a:rPr lang="en-US" dirty="0" smtClean="0"/>
-              <a:t>128 measurements of distances between </a:t>
-            </a:r>
-            <a:r>
-              <a:rPr lang="en-US" dirty="0"/>
-              <a:t>facial features</a:t>
-            </a:r>
-          </a:p>
-          <a:p>
-            <a:pPr defTabSz="914400">
-              <a:spcBef>
-                <a:spcPts val="0"/>
-              </a:spcBef>
-              <a:buClrTx/>
-              <a:buSzTx/>
-            </a:pPr>
-            <a:endParaRPr lang="en-US" dirty="0" smtClean="0"/>
-          </a:p>
-          <a:p>
-            <a:pPr defTabSz="914400">
-              <a:spcBef>
-                <a:spcPts val="0"/>
-              </a:spcBef>
-              <a:buClrTx/>
-              <a:buSzTx/>
-            </a:pPr>
-            <a:endParaRPr lang="en-US" dirty="0"/>
-          </a:p>
-          <a:p>
-            <a:pPr defTabSz="914400">
-              <a:spcBef>
-                <a:spcPts val="0"/>
-              </a:spcBef>
-              <a:buClrTx/>
-              <a:buSzTx/>
-            </a:pPr>
-            <a:endParaRPr lang="en-US" dirty="0" smtClean="0"/>
-          </a:p>
-          <a:p>
-            <a:pPr defTabSz="914400">
-              <a:spcBef>
-                <a:spcPts val="0"/>
-              </a:spcBef>
-              <a:buClrTx/>
-              <a:buSzTx/>
-            </a:pPr>
-            <a:endParaRPr lang="en-US" dirty="0"/>
-          </a:p>
-          <a:p>
-            <a:pPr defTabSz="914400">
-              <a:spcBef>
-                <a:spcPts val="0"/>
-              </a:spcBef>
-              <a:buClrTx/>
-              <a:buSzTx/>
-            </a:pPr>
-            <a:endParaRPr lang="en-US" dirty="0" smtClean="0"/>
-          </a:p>
-          <a:p>
-            <a:pPr defTabSz="914400">
-              <a:spcBef>
-                <a:spcPts val="0"/>
-              </a:spcBef>
-              <a:buClrTx/>
-              <a:buSzTx/>
-            </a:pPr>
-            <a:endParaRPr lang="en-US" dirty="0"/>
-          </a:p>
-          <a:p>
-            <a:pPr defTabSz="914400">
-              <a:spcBef>
-                <a:spcPts val="0"/>
-              </a:spcBef>
-              <a:buClrTx/>
-              <a:buSzTx/>
-            </a:pPr>
-            <a:endParaRPr lang="en-US" dirty="0" smtClean="0"/>
-          </a:p>
-          <a:p>
-            <a:pPr defTabSz="914400">
-              <a:spcBef>
-                <a:spcPts val="0"/>
-              </a:spcBef>
-              <a:buClrTx/>
-              <a:buSzTx/>
-            </a:pPr>
-            <a:endParaRPr lang="en-US" dirty="0"/>
-          </a:p>
-          <a:p>
-            <a:pPr defTabSz="914400">
-              <a:spcBef>
-                <a:spcPts val="0"/>
-              </a:spcBef>
-              <a:buClrTx/>
-              <a:buSzTx/>
-            </a:pPr>
-            <a:endParaRPr lang="en-US" dirty="0" smtClean="0"/>
-          </a:p>
-          <a:p>
-            <a:pPr defTabSz="914400">
-              <a:spcBef>
-                <a:spcPts val="0"/>
-              </a:spcBef>
-              <a:buClrTx/>
-              <a:buSzTx/>
-            </a:pPr>
-            <a:endParaRPr lang="en-US" dirty="0"/>
-          </a:p>
-        </p:txBody>
-      </p:sp>
-      <p:pic>
-        <p:nvPicPr>
-          <p:cNvPr id="2050" name="Picture 2" descr="https://raw.githubusercontent.com/cmusatyalab/openface/master/images/nn4.v1.conv1.lennon-1.png"/>
-          <p:cNvPicPr>
-            <a:picLocks noChangeAspect="1" noChangeArrowheads="1"/>
-          </p:cNvPicPr>
-          <p:nvPr/>
-        </p:nvPicPr>
-        <p:blipFill>
-          <a:blip r:embed="rId2">
-            <a:extLst>
-              <a:ext uri="{28A0092B-C50C-407E-A947-70E740481C1C}">
-                <a14:useLocalDpi xmlns:a14="http://schemas.microsoft.com/office/drawing/2010/main" val="0"/>
-              </a:ext>
-            </a:extLst>
-          </a:blip>
-          <a:srcRect/>
-          <a:stretch>
-            <a:fillRect/>
-          </a:stretch>
-        </p:blipFill>
-        <p:spPr bwMode="auto">
-          <a:xfrm>
-            <a:off x="1070656" y="4241826"/>
-            <a:ext cx="9946815" cy="2268303"/>
-          </a:xfrm>
-          <a:prstGeom prst="rect">
-            <a:avLst/>
-          </a:prstGeom>
-          <a:noFill/>
-          <a:extLst>
-            <a:ext uri="{909E8E84-426E-40DD-AFC4-6F175D3DCCD1}">
-              <a14:hiddenFill xmlns:a14="http://schemas.microsoft.com/office/drawing/2010/main">
-                <a:solidFill>
-                  <a:srgbClr val="FFFFFF"/>
-                </a:solidFill>
-              </a14:hiddenFill>
-            </a:ext>
-          </a:extLst>
-        </p:spPr>
-      </p:pic>
-      <p:sp>
-        <p:nvSpPr>
-          <p:cNvPr id="4" name="TextBox 3"/>
-          <p:cNvSpPr txBox="1"/>
-          <p:nvPr/>
-        </p:nvSpPr>
-        <p:spPr>
-          <a:xfrm>
-            <a:off x="3538331" y="6557116"/>
-            <a:ext cx="4551246" cy="246221"/>
-          </a:xfrm>
-          <a:prstGeom prst="rect">
-            <a:avLst/>
-          </a:prstGeom>
-          <a:noFill/>
-        </p:spPr>
-        <p:txBody>
-          <a:bodyPr wrap="none" rtlCol="0">
-            <a:spAutoFit/>
-          </a:bodyPr>
-          <a:lstStyle/>
-          <a:p>
-            <a:r>
-              <a:rPr lang="en-US" sz="1000" dirty="0"/>
-              <a:t>Image source: https://</a:t>
-            </a:r>
-            <a:r>
-              <a:rPr lang="en-US" sz="1000" dirty="0" err="1"/>
-              <a:t>cmusatyalab.github.io</a:t>
-            </a:r>
-            <a:r>
-              <a:rPr lang="en-US" sz="1000" dirty="0"/>
-              <a:t>/</a:t>
-            </a:r>
-            <a:r>
-              <a:rPr lang="en-US" sz="1000" dirty="0" err="1"/>
-              <a:t>openface</a:t>
-            </a:r>
-            <a:r>
-              <a:rPr lang="en-US" sz="1000" dirty="0"/>
-              <a:t>/visualizations/</a:t>
-            </a:r>
-          </a:p>
-        </p:txBody>
-      </p:sp>
-    </p:spTree>
-    <p:extLst>
-      <p:ext uri="{BB962C8B-B14F-4D97-AF65-F5344CB8AC3E}">
-        <p14:creationId xmlns:p14="http://schemas.microsoft.com/office/powerpoint/2010/main" val="1798420134"/>
-      </p:ext>
-    </p:extLst>
-  </p:cSld>
-  <p:clrMapOvr>
-    <a:masterClrMapping/>
-  </p:clrMapOvr>
-  <p:timing>
-    <p:tnLst>
-      <p:par>
-        <p:cTn id="1" dur="indefinite" restart="never" nodeType="tmRoot"/>
-      </p:par>
-    </p:tnLst>
-  </p:timing>
-</p:sld>
-</file>
-
-<file path=ppt/slides/slide7.xml><?xml version="1.0" encoding="utf-8"?>
-<p:sld xmlns:a="http://schemas.openxmlformats.org/drawingml/2006/main" xmlns:r="http://schemas.openxmlformats.org/officeDocument/2006/relationships" xmlns:p="http://schemas.openxmlformats.org/presentationml/2006/main">
-  <p:cSld>
-    <p:spTree>
-      <p:nvGrpSpPr>
-        <p:cNvPr id="1" name=""/>
-        <p:cNvGrpSpPr/>
-        <p:nvPr/>
-      </p:nvGrpSpPr>
-      <p:grpSpPr>
-        <a:xfrm>
-          <a:off x="0" y="0"/>
-          <a:ext cx="0" cy="0"/>
-          <a:chOff x="0" y="0"/>
-          <a:chExt cx="0" cy="0"/>
-        </a:xfrm>
-      </p:grpSpPr>
-      <p:sp>
-        <p:nvSpPr>
-          <p:cNvPr id="2" name="Title 1"/>
-          <p:cNvSpPr>
-            <a:spLocks noGrp="1"/>
-          </p:cNvSpPr>
-          <p:nvPr>
-            <p:ph type="title"/>
-          </p:nvPr>
-        </p:nvSpPr>
-        <p:spPr/>
-        <p:txBody>
-          <a:bodyPr/>
-          <a:lstStyle/>
-          <a:p>
-            <a:r>
-              <a:rPr lang="en-US" dirty="0" smtClean="0"/>
-              <a:t>Classification</a:t>
-            </a:r>
-            <a:endParaRPr lang="en-US" dirty="0"/>
-          </a:p>
-        </p:txBody>
-      </p:sp>
-      <p:sp>
-        <p:nvSpPr>
-          <p:cNvPr id="3" name="Content Placeholder 2"/>
-          <p:cNvSpPr>
-            <a:spLocks noGrp="1"/>
-          </p:cNvSpPr>
-          <p:nvPr>
-            <p:ph idx="1"/>
-          </p:nvPr>
-        </p:nvSpPr>
-        <p:spPr/>
-        <p:txBody>
-          <a:bodyPr/>
-          <a:lstStyle/>
-          <a:p>
-            <a:r>
-              <a:rPr lang="en-US" dirty="0" smtClean="0"/>
-              <a:t>SVM to match measurements to name</a:t>
-            </a:r>
-          </a:p>
-          <a:p>
-            <a:r>
-              <a:rPr lang="en-US" dirty="0" smtClean="0"/>
-              <a:t>Example output: “</a:t>
-            </a:r>
-            <a:r>
-              <a:rPr lang="en-US" dirty="0"/>
-              <a:t>Predict </a:t>
-            </a:r>
-            <a:r>
-              <a:rPr lang="en-US" dirty="0" err="1"/>
-              <a:t>SteveCarell</a:t>
-            </a:r>
-            <a:r>
-              <a:rPr lang="en-US" dirty="0"/>
-              <a:t> with 0.97 confidence</a:t>
-            </a:r>
-            <a:r>
-              <a:rPr lang="en-US" dirty="0" smtClean="0"/>
-              <a:t>.”</a:t>
-            </a:r>
-            <a:endParaRPr lang="en-US" dirty="0"/>
-          </a:p>
-          <a:p>
-            <a:r>
-              <a:rPr lang="en-US" dirty="0" smtClean="0"/>
-              <a:t>The John Lennon image is not in the training set, returns “</a:t>
-            </a:r>
-            <a:r>
-              <a:rPr lang="en-US" dirty="0"/>
-              <a:t>Predict </a:t>
-            </a:r>
-            <a:r>
-              <a:rPr lang="en-US" dirty="0" err="1"/>
-              <a:t>SteveCarell</a:t>
-            </a:r>
-            <a:r>
-              <a:rPr lang="en-US" dirty="0"/>
-              <a:t> with 0.50 confidence</a:t>
-            </a:r>
-            <a:r>
-              <a:rPr lang="en-US" dirty="0" smtClean="0"/>
-              <a:t>.”</a:t>
-            </a:r>
-            <a:endParaRPr lang="en-US" dirty="0"/>
-          </a:p>
-          <a:p>
-            <a:endParaRPr lang="en-US" dirty="0"/>
-          </a:p>
-        </p:txBody>
-      </p:sp>
-    </p:spTree>
-    <p:extLst>
-      <p:ext uri="{BB962C8B-B14F-4D97-AF65-F5344CB8AC3E}">
-        <p14:creationId xmlns:p14="http://schemas.microsoft.com/office/powerpoint/2010/main" val="196379253"/>
-      </p:ext>
-    </p:extLst>
-  </p:cSld>
-  <p:clrMapOvr>
-    <a:masterClrMapping/>
-  </p:clrMapOvr>
-  <p:timing>
-    <p:tnLst>
-      <p:par>
-        <p:cTn id="1" dur="indefinite" restart="never" nodeType="tmRoot"/>
-      </p:par>
-    </p:tnLst>
-  </p:timing>
-</p:sld>
-</file>
-
-<file path=ppt/slides/slide8.xml><?xml version="1.0" encoding="utf-8"?>
-<p:sld xmlns:a="http://schemas.openxmlformats.org/drawingml/2006/main" xmlns:r="http://schemas.openxmlformats.org/officeDocument/2006/relationships" xmlns:p="http://schemas.openxmlformats.org/presentationml/2006/main">
-  <p:cSld>
-    <p:spTree>
-      <p:nvGrpSpPr>
-        <p:cNvPr id="1" name=""/>
-        <p:cNvGrpSpPr/>
-        <p:nvPr/>
-      </p:nvGrpSpPr>
-      <p:grpSpPr>
-        <a:xfrm>
-          <a:off x="0" y="0"/>
-          <a:ext cx="0" cy="0"/>
-          <a:chOff x="0" y="0"/>
-          <a:chExt cx="0" cy="0"/>
-        </a:xfrm>
-      </p:grpSpPr>
-      <p:sp>
-        <p:nvSpPr>
-          <p:cNvPr id="2" name="Title 1"/>
-          <p:cNvSpPr>
-            <a:spLocks noGrp="1"/>
-          </p:cNvSpPr>
-          <p:nvPr>
-            <p:ph type="title"/>
-          </p:nvPr>
-        </p:nvSpPr>
-        <p:spPr/>
-        <p:txBody>
-          <a:bodyPr/>
-          <a:lstStyle/>
-          <a:p>
-            <a:r>
-              <a:rPr lang="en-US" dirty="0" smtClean="0"/>
-              <a:t>Adversarial Tasks</a:t>
-            </a:r>
-            <a:endParaRPr lang="en-US" dirty="0"/>
-          </a:p>
-        </p:txBody>
-      </p:sp>
-      <p:sp>
-        <p:nvSpPr>
-          <p:cNvPr id="3" name="Content Placeholder 2"/>
-          <p:cNvSpPr>
-            <a:spLocks noGrp="1"/>
-          </p:cNvSpPr>
-          <p:nvPr>
-            <p:ph idx="1"/>
-          </p:nvPr>
-        </p:nvSpPr>
-        <p:spPr>
-          <a:xfrm>
-            <a:off x="1154954" y="2603499"/>
-            <a:ext cx="8825659" cy="3903317"/>
-          </a:xfrm>
-        </p:spPr>
-        <p:txBody>
-          <a:bodyPr>
-            <a:normAutofit/>
-          </a:bodyPr>
-          <a:lstStyle/>
-          <a:p>
-            <a:r>
-              <a:rPr lang="en-US" dirty="0" smtClean="0"/>
-              <a:t>Use particle swarm algorithm to modify images to trick </a:t>
-            </a:r>
-            <a:r>
-              <a:rPr lang="en-US" dirty="0" err="1" smtClean="0"/>
-              <a:t>OpenFace</a:t>
-            </a:r>
-            <a:r>
-              <a:rPr lang="en-US" dirty="0" smtClean="0"/>
-              <a:t> to incorrectly classify image:</a:t>
-            </a:r>
-          </a:p>
-          <a:p>
-            <a:pPr lvl="1"/>
-            <a:r>
-              <a:rPr lang="en-US" dirty="0" smtClean="0"/>
-              <a:t>Case 1: Incremental changes to decrease image quality</a:t>
-            </a:r>
-          </a:p>
-          <a:p>
-            <a:pPr lvl="1"/>
-            <a:r>
-              <a:rPr lang="en-US" dirty="0" smtClean="0"/>
-              <a:t>Case 2: People with similar faces (same race, same gender)</a:t>
-            </a:r>
-          </a:p>
-          <a:p>
-            <a:pPr lvl="1"/>
-            <a:r>
-              <a:rPr lang="en-US" dirty="0" smtClean="0"/>
-              <a:t>Case 3: People with dissimilar faces (same race, same gender)</a:t>
-            </a:r>
-          </a:p>
-          <a:p>
-            <a:pPr lvl="1"/>
-            <a:r>
-              <a:rPr lang="en-US" dirty="0" smtClean="0"/>
-              <a:t>Case 4: People with different genders </a:t>
-            </a:r>
-          </a:p>
-          <a:p>
-            <a:pPr lvl="1"/>
-            <a:r>
-              <a:rPr lang="en-US" dirty="0" smtClean="0"/>
-              <a:t>Case 5: People of different races</a:t>
-            </a:r>
-          </a:p>
-          <a:p>
-            <a:pPr lvl="1"/>
-            <a:r>
-              <a:rPr lang="en-US" dirty="0" smtClean="0"/>
-              <a:t>Case 6: People of different races and genders</a:t>
-            </a:r>
-          </a:p>
-          <a:p>
-            <a:pPr lvl="1"/>
-            <a:r>
-              <a:rPr lang="en-US" dirty="0" smtClean="0"/>
-              <a:t>Case 7: Non-human face</a:t>
-            </a:r>
-          </a:p>
-          <a:p>
-            <a:pPr lvl="1"/>
-            <a:r>
-              <a:rPr lang="en-US" dirty="0" smtClean="0"/>
-              <a:t>Case 8: No face</a:t>
-            </a:r>
-          </a:p>
-          <a:p>
-            <a:endParaRPr lang="en-US" dirty="0"/>
-          </a:p>
-        </p:txBody>
-      </p:sp>
-    </p:spTree>
-    <p:extLst>
-      <p:ext uri="{BB962C8B-B14F-4D97-AF65-F5344CB8AC3E}">
-        <p14:creationId xmlns:p14="http://schemas.microsoft.com/office/powerpoint/2010/main" val="2011223379"/>
-      </p:ext>
-    </p:extLst>
-  </p:cSld>
-  <p:clrMapOvr>
-    <a:masterClrMapping/>
-  </p:clrMapOvr>
-  <p:timing>
-    <p:tnLst>
-      <p:par>
-        <p:cTn id="1" dur="indefinite" restart="never" nodeType="tmRoot"/>
-      </p:par>
-    </p:tnLst>
-  </p:timing>
-</p:sld>
-</file>
-
-<file path=ppt/slides/slide9.xml><?xml version="1.0" encoding="utf-8"?>
-<p:sld xmlns:a="http://schemas.openxmlformats.org/drawingml/2006/main" xmlns:r="http://schemas.openxmlformats.org/officeDocument/2006/relationships" xmlns:p="http://schemas.openxmlformats.org/presentationml/2006/main">
-  <p:cSld>
-    <p:spTree>
-      <p:nvGrpSpPr>
-        <p:cNvPr id="1" name=""/>
-        <p:cNvGrpSpPr/>
-        <p:nvPr/>
-      </p:nvGrpSpPr>
-      <p:grpSpPr>
-        <a:xfrm>
-          <a:off x="0" y="0"/>
-          <a:ext cx="0" cy="0"/>
-          <a:chOff x="0" y="0"/>
-          <a:chExt cx="0" cy="0"/>
-        </a:xfrm>
-      </p:grpSpPr>
-      <p:sp>
-        <p:nvSpPr>
-          <p:cNvPr id="2" name="Title 1"/>
-          <p:cNvSpPr>
-            <a:spLocks noGrp="1"/>
-          </p:cNvSpPr>
-          <p:nvPr>
-            <p:ph type="title"/>
-          </p:nvPr>
-        </p:nvSpPr>
-        <p:spPr/>
-        <p:txBody>
-          <a:bodyPr/>
-          <a:lstStyle/>
-          <a:p>
-            <a:r>
-              <a:rPr lang="en-US" dirty="0" smtClean="0"/>
               <a:t>Progress</a:t>
             </a:r>
             <a:endParaRPr lang="en-US" dirty="0"/>
@@ -18874,6 +17149,1998 @@
 </p:sld>
 </file>
 
+<file path=ppt/slides/slide11.xml><?xml version="1.0" encoding="utf-8"?>
+<p:sld xmlns:a="http://schemas.openxmlformats.org/drawingml/2006/main" xmlns:r="http://schemas.openxmlformats.org/officeDocument/2006/relationships" xmlns:p="http://schemas.openxmlformats.org/presentationml/2006/main">
+  <p:cSld>
+    <p:spTree>
+      <p:nvGrpSpPr>
+        <p:cNvPr id="1" name=""/>
+        <p:cNvGrpSpPr/>
+        <p:nvPr/>
+      </p:nvGrpSpPr>
+      <p:grpSpPr>
+        <a:xfrm>
+          <a:off x="0" y="0"/>
+          <a:ext cx="0" cy="0"/>
+          <a:chOff x="0" y="0"/>
+          <a:chExt cx="0" cy="0"/>
+        </a:xfrm>
+      </p:grpSpPr>
+      <p:sp>
+        <p:nvSpPr>
+          <p:cNvPr id="2" name="Title 1"/>
+          <p:cNvSpPr>
+            <a:spLocks noGrp="1"/>
+          </p:cNvSpPr>
+          <p:nvPr>
+            <p:ph type="title"/>
+          </p:nvPr>
+        </p:nvSpPr>
+        <p:spPr/>
+        <p:txBody>
+          <a:bodyPr/>
+          <a:lstStyle/>
+          <a:p>
+            <a:r>
+              <a:rPr lang="en-US" dirty="0" smtClean="0"/>
+              <a:t>Next Steps</a:t>
+            </a:r>
+            <a:endParaRPr lang="en-US" dirty="0"/>
+          </a:p>
+        </p:txBody>
+      </p:sp>
+      <p:sp>
+        <p:nvSpPr>
+          <p:cNvPr id="3" name="Content Placeholder 2"/>
+          <p:cNvSpPr>
+            <a:spLocks noGrp="1"/>
+          </p:cNvSpPr>
+          <p:nvPr>
+            <p:ph idx="1"/>
+          </p:nvPr>
+        </p:nvSpPr>
+        <p:spPr/>
+        <p:txBody>
+          <a:bodyPr/>
+          <a:lstStyle/>
+          <a:p>
+            <a:r>
+              <a:rPr lang="en-US" dirty="0" smtClean="0"/>
+              <a:t>Train model for full LFW </a:t>
+            </a:r>
+            <a:r>
+              <a:rPr lang="en-US" dirty="0" smtClean="0"/>
+              <a:t>set (in progress)</a:t>
+            </a:r>
+            <a:endParaRPr lang="en-US" dirty="0" smtClean="0"/>
+          </a:p>
+          <a:p>
+            <a:r>
+              <a:rPr lang="en-US" dirty="0" smtClean="0"/>
+              <a:t>Script for test case 1</a:t>
+            </a:r>
+          </a:p>
+          <a:p>
+            <a:r>
+              <a:rPr lang="en-US" dirty="0" smtClean="0"/>
+              <a:t>Script for test cases 2-8 with particle swarm</a:t>
+            </a:r>
+          </a:p>
+          <a:p>
+            <a:r>
+              <a:rPr lang="en-US" dirty="0" smtClean="0"/>
+              <a:t>Collect and analyze </a:t>
+            </a:r>
+            <a:r>
+              <a:rPr lang="en-US" dirty="0" smtClean="0"/>
+              <a:t>trial </a:t>
+            </a:r>
+            <a:r>
+              <a:rPr lang="en-US" dirty="0" smtClean="0"/>
+              <a:t>data</a:t>
+            </a:r>
+            <a:endParaRPr lang="en-US" dirty="0" smtClean="0"/>
+          </a:p>
+          <a:p>
+            <a:pPr lvl="1"/>
+            <a:r>
+              <a:rPr lang="en-US" dirty="0" smtClean="0"/>
+              <a:t>Overall success of test case</a:t>
+            </a:r>
+          </a:p>
+          <a:p>
+            <a:pPr lvl="1"/>
+            <a:r>
+              <a:rPr lang="en-US" dirty="0" smtClean="0"/>
+              <a:t>Number of trials required to achieve success with limited data set</a:t>
+            </a:r>
+          </a:p>
+          <a:p>
+            <a:pPr lvl="1"/>
+            <a:r>
+              <a:rPr lang="en-US" dirty="0"/>
+              <a:t>Number of trials required to achieve success with </a:t>
+            </a:r>
+            <a:r>
+              <a:rPr lang="en-US" dirty="0" smtClean="0"/>
+              <a:t>full LFW</a:t>
+            </a:r>
+          </a:p>
+          <a:p>
+            <a:pPr lvl="1"/>
+            <a:r>
+              <a:rPr lang="en-US" dirty="0" smtClean="0"/>
+              <a:t>Are the changes detectable to the human eye?</a:t>
+            </a:r>
+          </a:p>
+        </p:txBody>
+      </p:sp>
+    </p:spTree>
+    <p:extLst>
+      <p:ext uri="{BB962C8B-B14F-4D97-AF65-F5344CB8AC3E}">
+        <p14:creationId xmlns:p14="http://schemas.microsoft.com/office/powerpoint/2010/main" val="1124887766"/>
+      </p:ext>
+    </p:extLst>
+  </p:cSld>
+  <p:clrMapOvr>
+    <a:masterClrMapping/>
+  </p:clrMapOvr>
+  <p:timing>
+    <p:tnLst>
+      <p:par>
+        <p:cTn id="1" dur="indefinite" restart="never" nodeType="tmRoot"/>
+      </p:par>
+    </p:tnLst>
+  </p:timing>
+</p:sld>
+</file>
+
+<file path=ppt/slides/slide12.xml><?xml version="1.0" encoding="utf-8"?>
+<p:sld xmlns:a="http://schemas.openxmlformats.org/drawingml/2006/main" xmlns:r="http://schemas.openxmlformats.org/officeDocument/2006/relationships" xmlns:p="http://schemas.openxmlformats.org/presentationml/2006/main">
+  <p:cSld>
+    <p:spTree>
+      <p:nvGrpSpPr>
+        <p:cNvPr id="1" name=""/>
+        <p:cNvGrpSpPr/>
+        <p:nvPr/>
+      </p:nvGrpSpPr>
+      <p:grpSpPr>
+        <a:xfrm>
+          <a:off x="0" y="0"/>
+          <a:ext cx="0" cy="0"/>
+          <a:chOff x="0" y="0"/>
+          <a:chExt cx="0" cy="0"/>
+        </a:xfrm>
+      </p:grpSpPr>
+      <p:sp>
+        <p:nvSpPr>
+          <p:cNvPr id="2" name="Title 1"/>
+          <p:cNvSpPr>
+            <a:spLocks noGrp="1"/>
+          </p:cNvSpPr>
+          <p:nvPr>
+            <p:ph type="title"/>
+          </p:nvPr>
+        </p:nvSpPr>
+        <p:spPr/>
+        <p:txBody>
+          <a:bodyPr/>
+          <a:lstStyle/>
+          <a:p>
+            <a:r>
+              <a:rPr lang="en-US" dirty="0" smtClean="0"/>
+              <a:t>References</a:t>
+            </a:r>
+            <a:endParaRPr lang="en-US" dirty="0"/>
+          </a:p>
+        </p:txBody>
+      </p:sp>
+      <p:sp>
+        <p:nvSpPr>
+          <p:cNvPr id="3" name="Content Placeholder 2"/>
+          <p:cNvSpPr>
+            <a:spLocks noGrp="1"/>
+          </p:cNvSpPr>
+          <p:nvPr>
+            <p:ph idx="1"/>
+          </p:nvPr>
+        </p:nvSpPr>
+        <p:spPr/>
+        <p:txBody>
+          <a:bodyPr/>
+          <a:lstStyle/>
+          <a:p>
+            <a:r>
+              <a:rPr lang="en-US" dirty="0"/>
+              <a:t>Amos, Brandon, </a:t>
+            </a:r>
+            <a:r>
+              <a:rPr lang="en-US" dirty="0" err="1"/>
+              <a:t>Bartosz</a:t>
+            </a:r>
+            <a:r>
+              <a:rPr lang="en-US" dirty="0"/>
+              <a:t> </a:t>
+            </a:r>
+            <a:r>
+              <a:rPr lang="en-US" dirty="0" err="1"/>
+              <a:t>Ludwiczuk</a:t>
+            </a:r>
+            <a:r>
+              <a:rPr lang="en-US" dirty="0"/>
+              <a:t> and </a:t>
+            </a:r>
+            <a:r>
+              <a:rPr lang="en-US" dirty="0" err="1"/>
+              <a:t>Mahadev</a:t>
+            </a:r>
+            <a:r>
+              <a:rPr lang="en-US" dirty="0"/>
+              <a:t> </a:t>
+            </a:r>
+            <a:r>
+              <a:rPr lang="en-US" dirty="0" err="1"/>
+              <a:t>Satyanarayanan</a:t>
+            </a:r>
+            <a:r>
+              <a:rPr lang="en-US" dirty="0"/>
+              <a:t>. “</a:t>
+            </a:r>
+            <a:r>
+              <a:rPr lang="en-US" dirty="0" err="1"/>
+              <a:t>OpenFace</a:t>
+            </a:r>
+            <a:r>
+              <a:rPr lang="en-US" dirty="0"/>
+              <a:t>: A general-purpose face recognition library with mobile applications.” </a:t>
+            </a:r>
+            <a:r>
+              <a:rPr lang="en-US" i="1" dirty="0"/>
+              <a:t>CMU School of Computer Science</a:t>
+            </a:r>
+            <a:r>
+              <a:rPr lang="en-US" dirty="0"/>
+              <a:t> (2016).</a:t>
+            </a:r>
+            <a:endParaRPr lang="en-US" dirty="0" smtClean="0"/>
+          </a:p>
+          <a:p>
+            <a:r>
+              <a:rPr lang="en-US" dirty="0"/>
+              <a:t>Gary B. Huang, Manu Ramesh, Tamara Berg, and Erik </a:t>
+            </a:r>
+            <a:r>
+              <a:rPr lang="en-US" dirty="0" smtClean="0"/>
+              <a:t>Learned-Miller. Labeled </a:t>
+            </a:r>
+            <a:r>
+              <a:rPr lang="en-US" dirty="0"/>
+              <a:t>Faces in the Wild: A Database for Studying Face Recognition in Unconstrained </a:t>
+            </a:r>
+            <a:r>
+              <a:rPr lang="en-US" dirty="0" smtClean="0"/>
+              <a:t>Environments. </a:t>
+            </a:r>
+            <a:r>
+              <a:rPr lang="en-US" i="1" dirty="0" smtClean="0"/>
+              <a:t>University </a:t>
+            </a:r>
+            <a:r>
+              <a:rPr lang="en-US" i="1" dirty="0"/>
+              <a:t>of Massachusetts, Amherst, Technical Report 07-49</a:t>
+            </a:r>
+            <a:r>
+              <a:rPr lang="en-US" dirty="0"/>
+              <a:t>, October, 2007</a:t>
+            </a:r>
+            <a:r>
+              <a:rPr lang="en-US" dirty="0" smtClean="0"/>
+              <a:t>.</a:t>
+            </a:r>
+            <a:endParaRPr lang="en-US" dirty="0"/>
+          </a:p>
+        </p:txBody>
+      </p:sp>
+    </p:spTree>
+    <p:extLst>
+      <p:ext uri="{BB962C8B-B14F-4D97-AF65-F5344CB8AC3E}">
+        <p14:creationId xmlns:p14="http://schemas.microsoft.com/office/powerpoint/2010/main" val="742293331"/>
+      </p:ext>
+    </p:extLst>
+  </p:cSld>
+  <p:clrMapOvr>
+    <a:masterClrMapping/>
+  </p:clrMapOvr>
+  <p:timing>
+    <p:tnLst>
+      <p:par>
+        <p:cTn id="1" dur="indefinite" restart="never" nodeType="tmRoot"/>
+      </p:par>
+    </p:tnLst>
+  </p:timing>
+</p:sld>
+</file>
+
+<file path=ppt/slides/slide2.xml><?xml version="1.0" encoding="utf-8"?>
+<p:sld xmlns:a="http://schemas.openxmlformats.org/drawingml/2006/main" xmlns:r="http://schemas.openxmlformats.org/officeDocument/2006/relationships" xmlns:p="http://schemas.openxmlformats.org/presentationml/2006/main">
+  <p:cSld>
+    <p:spTree>
+      <p:nvGrpSpPr>
+        <p:cNvPr id="1" name=""/>
+        <p:cNvGrpSpPr/>
+        <p:nvPr/>
+      </p:nvGrpSpPr>
+      <p:grpSpPr>
+        <a:xfrm>
+          <a:off x="0" y="0"/>
+          <a:ext cx="0" cy="0"/>
+          <a:chOff x="0" y="0"/>
+          <a:chExt cx="0" cy="0"/>
+        </a:xfrm>
+      </p:grpSpPr>
+      <p:sp>
+        <p:nvSpPr>
+          <p:cNvPr id="2" name="Title 1"/>
+          <p:cNvSpPr>
+            <a:spLocks noGrp="1"/>
+          </p:cNvSpPr>
+          <p:nvPr>
+            <p:ph type="title"/>
+          </p:nvPr>
+        </p:nvSpPr>
+        <p:spPr/>
+        <p:txBody>
+          <a:bodyPr/>
+          <a:lstStyle/>
+          <a:p>
+            <a:r>
+              <a:rPr lang="en-US" dirty="0"/>
+              <a:t>Data </a:t>
+            </a:r>
+            <a:r>
+              <a:rPr lang="en-US" dirty="0" smtClean="0"/>
+              <a:t>Set: Labeled Faces in the Wild</a:t>
+            </a:r>
+            <a:endParaRPr lang="en-US" dirty="0"/>
+          </a:p>
+        </p:txBody>
+      </p:sp>
+      <p:sp>
+        <p:nvSpPr>
+          <p:cNvPr id="3" name="Content Placeholder 2"/>
+          <p:cNvSpPr>
+            <a:spLocks noGrp="1"/>
+          </p:cNvSpPr>
+          <p:nvPr>
+            <p:ph idx="1"/>
+          </p:nvPr>
+        </p:nvSpPr>
+        <p:spPr>
+          <a:xfrm>
+            <a:off x="1122830" y="2616752"/>
+            <a:ext cx="8825659" cy="3416300"/>
+          </a:xfrm>
+        </p:spPr>
+        <p:txBody>
+          <a:bodyPr/>
+          <a:lstStyle/>
+          <a:p>
+            <a:r>
+              <a:rPr lang="en-US" dirty="0" smtClean="0"/>
+              <a:t>Public data set with 13k labeled images of 5k famous people</a:t>
+            </a:r>
+          </a:p>
+          <a:p>
+            <a:r>
+              <a:rPr lang="en-US" dirty="0" smtClean="0"/>
+              <a:t>Images are unconstrained (angle, </a:t>
+            </a:r>
+            <a:r>
+              <a:rPr lang="en-US" dirty="0" smtClean="0"/>
+              <a:t>expression, lighting)</a:t>
+            </a:r>
+            <a:endParaRPr lang="en-US" dirty="0" smtClean="0"/>
+          </a:p>
+          <a:p>
+            <a:r>
+              <a:rPr lang="en-US" dirty="0" smtClean="0"/>
+              <a:t>Data set is heavily biased (78% men, 83% white)</a:t>
+            </a:r>
+          </a:p>
+          <a:p>
+            <a:pPr lvl="1"/>
+            <a:r>
+              <a:rPr lang="en-US" dirty="0" smtClean="0"/>
+              <a:t>Have to supplement for test cases insufficiently represented</a:t>
+            </a:r>
+          </a:p>
+          <a:p>
+            <a:r>
+              <a:rPr lang="en-US" dirty="0" smtClean="0"/>
+              <a:t>Used for benchmarking facial recognition algorithms</a:t>
+            </a:r>
+          </a:p>
+          <a:p>
+            <a:endParaRPr lang="en-US" dirty="0"/>
+          </a:p>
+        </p:txBody>
+      </p:sp>
+      <p:pic>
+        <p:nvPicPr>
+          <p:cNvPr id="6150" name="Picture 6" descr="riginal image of Miguel Angel Rodriguez"/>
+          <p:cNvPicPr>
+            <a:picLocks noChangeAspect="1" noChangeArrowheads="1"/>
+          </p:cNvPicPr>
+          <p:nvPr/>
+        </p:nvPicPr>
+        <p:blipFill>
+          <a:blip r:embed="rId2">
+            <a:extLst>
+              <a:ext uri="{28A0092B-C50C-407E-A947-70E740481C1C}">
+                <a14:useLocalDpi xmlns:a14="http://schemas.microsoft.com/office/drawing/2010/main" val="0"/>
+              </a:ext>
+            </a:extLst>
+          </a:blip>
+          <a:srcRect/>
+          <a:stretch>
+            <a:fillRect/>
+          </a:stretch>
+        </p:blipFill>
+        <p:spPr bwMode="auto">
+          <a:xfrm>
+            <a:off x="5287619" y="4803083"/>
+            <a:ext cx="1428750" cy="1428750"/>
+          </a:xfrm>
+          <a:prstGeom prst="rect">
+            <a:avLst/>
+          </a:prstGeom>
+          <a:noFill/>
+          <a:extLst>
+            <a:ext uri="{909E8E84-426E-40DD-AFC4-6F175D3DCCD1}">
+              <a14:hiddenFill xmlns:a14="http://schemas.microsoft.com/office/drawing/2010/main">
+                <a:solidFill>
+                  <a:srgbClr val="FFFFFF"/>
+                </a:solidFill>
+              </a14:hiddenFill>
+            </a:ext>
+          </a:extLst>
+        </p:spPr>
+      </p:pic>
+      <p:pic>
+        <p:nvPicPr>
+          <p:cNvPr id="6152" name="Picture 8" descr="riginal image of Michelle Kwan"/>
+          <p:cNvPicPr>
+            <a:picLocks noChangeAspect="1" noChangeArrowheads="1"/>
+          </p:cNvPicPr>
+          <p:nvPr/>
+        </p:nvPicPr>
+        <p:blipFill>
+          <a:blip r:embed="rId3">
+            <a:extLst>
+              <a:ext uri="{28A0092B-C50C-407E-A947-70E740481C1C}">
+                <a14:useLocalDpi xmlns:a14="http://schemas.microsoft.com/office/drawing/2010/main" val="0"/>
+              </a:ext>
+            </a:extLst>
+          </a:blip>
+          <a:srcRect/>
+          <a:stretch>
+            <a:fillRect/>
+          </a:stretch>
+        </p:blipFill>
+        <p:spPr bwMode="auto">
+          <a:xfrm>
+            <a:off x="7182681" y="4803083"/>
+            <a:ext cx="1428750" cy="1428750"/>
+          </a:xfrm>
+          <a:prstGeom prst="rect">
+            <a:avLst/>
+          </a:prstGeom>
+          <a:noFill/>
+          <a:extLst>
+            <a:ext uri="{909E8E84-426E-40DD-AFC4-6F175D3DCCD1}">
+              <a14:hiddenFill xmlns:a14="http://schemas.microsoft.com/office/drawing/2010/main">
+                <a:solidFill>
+                  <a:srgbClr val="FFFFFF"/>
+                </a:solidFill>
+              </a14:hiddenFill>
+            </a:ext>
+          </a:extLst>
+        </p:spPr>
+      </p:pic>
+      <p:pic>
+        <p:nvPicPr>
+          <p:cNvPr id="6154" name="Picture 10" descr="riginal image of Morgan Freeman"/>
+          <p:cNvPicPr>
+            <a:picLocks noChangeAspect="1" noChangeArrowheads="1"/>
+          </p:cNvPicPr>
+          <p:nvPr/>
+        </p:nvPicPr>
+        <p:blipFill>
+          <a:blip r:embed="rId4">
+            <a:extLst>
+              <a:ext uri="{28A0092B-C50C-407E-A947-70E740481C1C}">
+                <a14:useLocalDpi xmlns:a14="http://schemas.microsoft.com/office/drawing/2010/main" val="0"/>
+              </a:ext>
+            </a:extLst>
+          </a:blip>
+          <a:srcRect/>
+          <a:stretch>
+            <a:fillRect/>
+          </a:stretch>
+        </p:blipFill>
+        <p:spPr bwMode="auto">
+          <a:xfrm>
+            <a:off x="3383334" y="4803083"/>
+            <a:ext cx="1428750" cy="1428750"/>
+          </a:xfrm>
+          <a:prstGeom prst="rect">
+            <a:avLst/>
+          </a:prstGeom>
+          <a:noFill/>
+          <a:extLst>
+            <a:ext uri="{909E8E84-426E-40DD-AFC4-6F175D3DCCD1}">
+              <a14:hiddenFill xmlns:a14="http://schemas.microsoft.com/office/drawing/2010/main">
+                <a:solidFill>
+                  <a:srgbClr val="FFFFFF"/>
+                </a:solidFill>
+              </a14:hiddenFill>
+            </a:ext>
+          </a:extLst>
+        </p:spPr>
+      </p:pic>
+      <p:pic>
+        <p:nvPicPr>
+          <p:cNvPr id="6158" name="Picture 14" descr="riginal image of Moshe Katsav"/>
+          <p:cNvPicPr>
+            <a:picLocks noChangeAspect="1" noChangeArrowheads="1"/>
+          </p:cNvPicPr>
+          <p:nvPr/>
+        </p:nvPicPr>
+        <p:blipFill>
+          <a:blip r:embed="rId5">
+            <a:extLst>
+              <a:ext uri="{28A0092B-C50C-407E-A947-70E740481C1C}">
+                <a14:useLocalDpi xmlns:a14="http://schemas.microsoft.com/office/drawing/2010/main" val="0"/>
+              </a:ext>
+            </a:extLst>
+          </a:blip>
+          <a:srcRect/>
+          <a:stretch>
+            <a:fillRect/>
+          </a:stretch>
+        </p:blipFill>
+        <p:spPr bwMode="auto">
+          <a:xfrm>
+            <a:off x="9077743" y="4803083"/>
+            <a:ext cx="1428750" cy="1428750"/>
+          </a:xfrm>
+          <a:prstGeom prst="rect">
+            <a:avLst/>
+          </a:prstGeom>
+          <a:noFill/>
+          <a:extLst>
+            <a:ext uri="{909E8E84-426E-40DD-AFC4-6F175D3DCCD1}">
+              <a14:hiddenFill xmlns:a14="http://schemas.microsoft.com/office/drawing/2010/main">
+                <a:solidFill>
+                  <a:srgbClr val="FFFFFF"/>
+                </a:solidFill>
+              </a14:hiddenFill>
+            </a:ext>
+          </a:extLst>
+        </p:spPr>
+      </p:pic>
+      <p:pic>
+        <p:nvPicPr>
+          <p:cNvPr id="6160" name="Picture 16" descr="riginal image of John Lennon"/>
+          <p:cNvPicPr>
+            <a:picLocks noChangeAspect="1" noChangeArrowheads="1"/>
+          </p:cNvPicPr>
+          <p:nvPr/>
+        </p:nvPicPr>
+        <p:blipFill>
+          <a:blip r:embed="rId6">
+            <a:extLst>
+              <a:ext uri="{28A0092B-C50C-407E-A947-70E740481C1C}">
+                <a14:useLocalDpi xmlns:a14="http://schemas.microsoft.com/office/drawing/2010/main" val="0"/>
+              </a:ext>
+            </a:extLst>
+          </a:blip>
+          <a:srcRect/>
+          <a:stretch>
+            <a:fillRect/>
+          </a:stretch>
+        </p:blipFill>
+        <p:spPr bwMode="auto">
+          <a:xfrm>
+            <a:off x="1488272" y="4803083"/>
+            <a:ext cx="1428750" cy="1428750"/>
+          </a:xfrm>
+          <a:prstGeom prst="rect">
+            <a:avLst/>
+          </a:prstGeom>
+          <a:noFill/>
+          <a:extLst>
+            <a:ext uri="{909E8E84-426E-40DD-AFC4-6F175D3DCCD1}">
+              <a14:hiddenFill xmlns:a14="http://schemas.microsoft.com/office/drawing/2010/main">
+                <a:solidFill>
+                  <a:srgbClr val="FFFFFF"/>
+                </a:solidFill>
+              </a14:hiddenFill>
+            </a:ext>
+          </a:extLst>
+        </p:spPr>
+      </p:pic>
+    </p:spTree>
+    <p:extLst>
+      <p:ext uri="{BB962C8B-B14F-4D97-AF65-F5344CB8AC3E}">
+        <p14:creationId xmlns:p14="http://schemas.microsoft.com/office/powerpoint/2010/main" val="542988435"/>
+      </p:ext>
+    </p:extLst>
+  </p:cSld>
+  <p:clrMapOvr>
+    <a:masterClrMapping/>
+  </p:clrMapOvr>
+  <p:timing>
+    <p:tnLst>
+      <p:par>
+        <p:cTn id="1" dur="indefinite" restart="never" nodeType="tmRoot"/>
+      </p:par>
+    </p:tnLst>
+  </p:timing>
+</p:sld>
+</file>
+
+<file path=ppt/slides/slide3.xml><?xml version="1.0" encoding="utf-8"?>
+<p:sld xmlns:a="http://schemas.openxmlformats.org/drawingml/2006/main" xmlns:r="http://schemas.openxmlformats.org/officeDocument/2006/relationships" xmlns:p="http://schemas.openxmlformats.org/presentationml/2006/main">
+  <p:cSld>
+    <p:spTree>
+      <p:nvGrpSpPr>
+        <p:cNvPr id="1" name=""/>
+        <p:cNvGrpSpPr/>
+        <p:nvPr/>
+      </p:nvGrpSpPr>
+      <p:grpSpPr>
+        <a:xfrm>
+          <a:off x="0" y="0"/>
+          <a:ext cx="0" cy="0"/>
+          <a:chOff x="0" y="0"/>
+          <a:chExt cx="0" cy="0"/>
+        </a:xfrm>
+      </p:grpSpPr>
+      <p:sp>
+        <p:nvSpPr>
+          <p:cNvPr id="2" name="Title 1"/>
+          <p:cNvSpPr>
+            <a:spLocks noGrp="1"/>
+          </p:cNvSpPr>
+          <p:nvPr>
+            <p:ph type="title"/>
+          </p:nvPr>
+        </p:nvSpPr>
+        <p:spPr/>
+        <p:txBody>
+          <a:bodyPr/>
+          <a:lstStyle/>
+          <a:p>
+            <a:r>
+              <a:rPr lang="en-US" dirty="0" smtClean="0"/>
+              <a:t>Facial Recognition Workflow</a:t>
+            </a:r>
+            <a:endParaRPr lang="en-US" dirty="0"/>
+          </a:p>
+        </p:txBody>
+      </p:sp>
+      <p:graphicFrame>
+        <p:nvGraphicFramePr>
+          <p:cNvPr id="4" name="Diagram 3"/>
+          <p:cNvGraphicFramePr/>
+          <p:nvPr>
+            <p:extLst>
+              <p:ext uri="{D42A27DB-BD31-4B8C-83A1-F6EECF244321}">
+                <p14:modId xmlns:p14="http://schemas.microsoft.com/office/powerpoint/2010/main" val="653764648"/>
+              </p:ext>
+            </p:extLst>
+          </p:nvPr>
+        </p:nvGraphicFramePr>
+        <p:xfrm>
+          <a:off x="479685" y="2358887"/>
+          <a:ext cx="11227633" cy="4386470"/>
+        </p:xfrm>
+        <a:graphic>
+          <a:graphicData uri="http://schemas.openxmlformats.org/drawingml/2006/diagram">
+            <dgm:relIds xmlns:dgm="http://schemas.openxmlformats.org/drawingml/2006/diagram" xmlns:r="http://schemas.openxmlformats.org/officeDocument/2006/relationships" r:dm="rId2" r:lo="rId3" r:qs="rId4" r:cs="rId5"/>
+          </a:graphicData>
+        </a:graphic>
+      </p:graphicFrame>
+    </p:spTree>
+    <p:extLst>
+      <p:ext uri="{BB962C8B-B14F-4D97-AF65-F5344CB8AC3E}">
+        <p14:creationId xmlns:p14="http://schemas.microsoft.com/office/powerpoint/2010/main" val="1452355130"/>
+      </p:ext>
+    </p:extLst>
+  </p:cSld>
+  <p:clrMapOvr>
+    <a:masterClrMapping/>
+  </p:clrMapOvr>
+  <p:timing>
+    <p:tnLst>
+      <p:par>
+        <p:cTn id="1" dur="indefinite" restart="never" nodeType="tmRoot"/>
+      </p:par>
+    </p:tnLst>
+  </p:timing>
+</p:sld>
+</file>
+
+<file path=ppt/slides/slide4.xml><?xml version="1.0" encoding="utf-8"?>
+<p:sld xmlns:a="http://schemas.openxmlformats.org/drawingml/2006/main" xmlns:r="http://schemas.openxmlformats.org/officeDocument/2006/relationships" xmlns:p="http://schemas.openxmlformats.org/presentationml/2006/main">
+  <p:cSld>
+    <p:spTree>
+      <p:nvGrpSpPr>
+        <p:cNvPr id="1" name=""/>
+        <p:cNvGrpSpPr/>
+        <p:nvPr/>
+      </p:nvGrpSpPr>
+      <p:grpSpPr>
+        <a:xfrm>
+          <a:off x="0" y="0"/>
+          <a:ext cx="0" cy="0"/>
+          <a:chOff x="0" y="0"/>
+          <a:chExt cx="0" cy="0"/>
+        </a:xfrm>
+      </p:grpSpPr>
+      <p:sp>
+        <p:nvSpPr>
+          <p:cNvPr id="2" name="Title 1"/>
+          <p:cNvSpPr>
+            <a:spLocks noGrp="1"/>
+          </p:cNvSpPr>
+          <p:nvPr>
+            <p:ph type="title"/>
+          </p:nvPr>
+        </p:nvSpPr>
+        <p:spPr/>
+        <p:txBody>
+          <a:bodyPr/>
+          <a:lstStyle/>
+          <a:p>
+            <a:r>
+              <a:rPr lang="en-US" dirty="0" smtClean="0"/>
+              <a:t>Face Detection</a:t>
+            </a:r>
+            <a:endParaRPr lang="en-US" dirty="0"/>
+          </a:p>
+        </p:txBody>
+      </p:sp>
+      <p:sp>
+        <p:nvSpPr>
+          <p:cNvPr id="3" name="Content Placeholder 2"/>
+          <p:cNvSpPr>
+            <a:spLocks noGrp="1"/>
+          </p:cNvSpPr>
+          <p:nvPr>
+            <p:ph idx="1"/>
+          </p:nvPr>
+        </p:nvSpPr>
+        <p:spPr>
+          <a:xfrm>
+            <a:off x="1154954" y="2603500"/>
+            <a:ext cx="4136573" cy="3416300"/>
+          </a:xfrm>
+        </p:spPr>
+        <p:txBody>
+          <a:bodyPr/>
+          <a:lstStyle/>
+          <a:p>
+            <a:r>
+              <a:rPr lang="en-US" dirty="0" err="1" smtClean="0"/>
+              <a:t>dlib</a:t>
+            </a:r>
+            <a:r>
+              <a:rPr lang="en-US" dirty="0" smtClean="0"/>
+              <a:t> CNN Face Detector API</a:t>
+            </a:r>
+          </a:p>
+          <a:p>
+            <a:r>
+              <a:rPr lang="en-US" dirty="0" smtClean="0"/>
+              <a:t>Converts image to Histogram of Oriented Gradients (HOG) </a:t>
+            </a:r>
+          </a:p>
+          <a:p>
+            <a:r>
+              <a:rPr lang="en-US" dirty="0" smtClean="0"/>
+              <a:t>Runs SVM classifier</a:t>
+            </a:r>
+          </a:p>
+          <a:p>
+            <a:endParaRPr lang="en-US" dirty="0"/>
+          </a:p>
+        </p:txBody>
+      </p:sp>
+      <p:pic>
+        <p:nvPicPr>
+          <p:cNvPr id="3074" name="Picture 2" descr="ttps://i1.wp.com/www.hackevolve.com/wp-content/uploads/2017/09/face_hog.png"/>
+          <p:cNvPicPr>
+            <a:picLocks noChangeAspect="1" noChangeArrowheads="1"/>
+          </p:cNvPicPr>
+          <p:nvPr/>
+        </p:nvPicPr>
+        <p:blipFill>
+          <a:blip r:embed="rId2">
+            <a:extLst>
+              <a:ext uri="{28A0092B-C50C-407E-A947-70E740481C1C}">
+                <a14:useLocalDpi xmlns:a14="http://schemas.microsoft.com/office/drawing/2010/main" val="0"/>
+              </a:ext>
+            </a:extLst>
+          </a:blip>
+          <a:srcRect/>
+          <a:stretch>
+            <a:fillRect/>
+          </a:stretch>
+        </p:blipFill>
+        <p:spPr bwMode="auto">
+          <a:xfrm>
+            <a:off x="6041036" y="2603499"/>
+            <a:ext cx="4905251" cy="3189565"/>
+          </a:xfrm>
+          <a:prstGeom prst="rect">
+            <a:avLst/>
+          </a:prstGeom>
+          <a:noFill/>
+          <a:extLst>
+            <a:ext uri="{909E8E84-426E-40DD-AFC4-6F175D3DCCD1}">
+              <a14:hiddenFill xmlns:a14="http://schemas.microsoft.com/office/drawing/2010/main">
+                <a:solidFill>
+                  <a:srgbClr val="FFFFFF"/>
+                </a:solidFill>
+              </a14:hiddenFill>
+            </a:ext>
+          </a:extLst>
+        </p:spPr>
+      </p:pic>
+      <p:sp>
+        <p:nvSpPr>
+          <p:cNvPr id="5" name="TextBox 4"/>
+          <p:cNvSpPr txBox="1"/>
+          <p:nvPr/>
+        </p:nvSpPr>
+        <p:spPr>
+          <a:xfrm>
+            <a:off x="6041036" y="5876140"/>
+            <a:ext cx="5016117" cy="246221"/>
+          </a:xfrm>
+          <a:prstGeom prst="rect">
+            <a:avLst/>
+          </a:prstGeom>
+          <a:noFill/>
+        </p:spPr>
+        <p:txBody>
+          <a:bodyPr wrap="none" rtlCol="0">
+            <a:spAutoFit/>
+          </a:bodyPr>
+          <a:lstStyle/>
+          <a:p>
+            <a:r>
+              <a:rPr lang="en-US" sz="1000" dirty="0"/>
+              <a:t>Image source: http://</a:t>
+            </a:r>
+            <a:r>
+              <a:rPr lang="en-US" sz="1000" dirty="0" err="1"/>
+              <a:t>www.hackevolve.com</a:t>
+            </a:r>
+            <a:r>
+              <a:rPr lang="en-US" sz="1000" dirty="0"/>
+              <a:t>/face-recognition-deep-learning/</a:t>
+            </a:r>
+          </a:p>
+        </p:txBody>
+      </p:sp>
+    </p:spTree>
+    <p:extLst>
+      <p:ext uri="{BB962C8B-B14F-4D97-AF65-F5344CB8AC3E}">
+        <p14:creationId xmlns:p14="http://schemas.microsoft.com/office/powerpoint/2010/main" val="2095201131"/>
+      </p:ext>
+    </p:extLst>
+  </p:cSld>
+  <p:clrMapOvr>
+    <a:masterClrMapping/>
+  </p:clrMapOvr>
+  <p:timing>
+    <p:tnLst>
+      <p:par>
+        <p:cTn id="1" dur="indefinite" restart="never" nodeType="tmRoot"/>
+      </p:par>
+    </p:tnLst>
+  </p:timing>
+</p:sld>
+</file>
+
+<file path=ppt/slides/slide5.xml><?xml version="1.0" encoding="utf-8"?>
+<p:sld xmlns:a="http://schemas.openxmlformats.org/drawingml/2006/main" xmlns:r="http://schemas.openxmlformats.org/officeDocument/2006/relationships" xmlns:p="http://schemas.openxmlformats.org/presentationml/2006/main">
+  <p:cSld>
+    <p:spTree>
+      <p:nvGrpSpPr>
+        <p:cNvPr id="1" name=""/>
+        <p:cNvGrpSpPr/>
+        <p:nvPr/>
+      </p:nvGrpSpPr>
+      <p:grpSpPr>
+        <a:xfrm>
+          <a:off x="0" y="0"/>
+          <a:ext cx="0" cy="0"/>
+          <a:chOff x="0" y="0"/>
+          <a:chExt cx="0" cy="0"/>
+        </a:xfrm>
+      </p:grpSpPr>
+      <p:sp>
+        <p:nvSpPr>
+          <p:cNvPr id="2" name="Title 1"/>
+          <p:cNvSpPr>
+            <a:spLocks noGrp="1"/>
+          </p:cNvSpPr>
+          <p:nvPr>
+            <p:ph type="title"/>
+          </p:nvPr>
+        </p:nvSpPr>
+        <p:spPr/>
+        <p:txBody>
+          <a:bodyPr/>
+          <a:lstStyle/>
+          <a:p>
+            <a:r>
+              <a:rPr lang="en-US" dirty="0" smtClean="0"/>
+              <a:t>Affine Transformation &amp; Normalization</a:t>
+            </a:r>
+            <a:endParaRPr lang="en-US" dirty="0"/>
+          </a:p>
+        </p:txBody>
+      </p:sp>
+      <p:sp>
+        <p:nvSpPr>
+          <p:cNvPr id="3" name="Content Placeholder 2"/>
+          <p:cNvSpPr>
+            <a:spLocks noGrp="1"/>
+          </p:cNvSpPr>
+          <p:nvPr>
+            <p:ph idx="1"/>
+          </p:nvPr>
+        </p:nvSpPr>
+        <p:spPr>
+          <a:xfrm>
+            <a:off x="1154954" y="2603500"/>
+            <a:ext cx="5485689" cy="3416300"/>
+          </a:xfrm>
+        </p:spPr>
+        <p:txBody>
+          <a:bodyPr/>
+          <a:lstStyle/>
+          <a:p>
+            <a:r>
+              <a:rPr lang="en-US" dirty="0" err="1" smtClean="0"/>
+              <a:t>OpenFace</a:t>
+            </a:r>
+            <a:r>
+              <a:rPr lang="en-US" dirty="0" smtClean="0"/>
+              <a:t> </a:t>
+            </a:r>
+            <a:r>
+              <a:rPr lang="en-US" dirty="0" err="1" smtClean="0"/>
+              <a:t>AlignDlib</a:t>
+            </a:r>
+            <a:r>
+              <a:rPr lang="en-US" dirty="0" smtClean="0"/>
+              <a:t> API</a:t>
+            </a:r>
+          </a:p>
+          <a:p>
+            <a:r>
+              <a:rPr lang="en-US" dirty="0" smtClean="0"/>
+              <a:t>Image </a:t>
+            </a:r>
+            <a:r>
+              <a:rPr lang="en-US" dirty="0"/>
+              <a:t>is cropped to detected face area</a:t>
+            </a:r>
+          </a:p>
+          <a:p>
+            <a:r>
+              <a:rPr lang="en-US" dirty="0" smtClean="0"/>
+              <a:t>Facial landmarks are detected</a:t>
+            </a:r>
+          </a:p>
+          <a:p>
+            <a:r>
+              <a:rPr lang="en-US" dirty="0" smtClean="0"/>
+              <a:t>Image is transformed to have outer eyes and nose in a standard position</a:t>
+            </a:r>
+          </a:p>
+          <a:p>
+            <a:r>
+              <a:rPr lang="en-US" dirty="0" smtClean="0"/>
+              <a:t>Image is resized</a:t>
+            </a:r>
+          </a:p>
+        </p:txBody>
+      </p:sp>
+      <p:pic>
+        <p:nvPicPr>
+          <p:cNvPr id="4" name="Picture 4" descr="https://blog.algorithmia.com/wp-content/uploads/2018/01/affine_transformation.png"/>
+          <p:cNvPicPr>
+            <a:picLocks noChangeAspect="1" noChangeArrowheads="1"/>
+          </p:cNvPicPr>
+          <p:nvPr/>
+        </p:nvPicPr>
+        <p:blipFill>
+          <a:blip r:embed="rId2">
+            <a:extLst>
+              <a:ext uri="{28A0092B-C50C-407E-A947-70E740481C1C}">
+                <a14:useLocalDpi xmlns:a14="http://schemas.microsoft.com/office/drawing/2010/main" val="0"/>
+              </a:ext>
+            </a:extLst>
+          </a:blip>
+          <a:srcRect/>
+          <a:stretch>
+            <a:fillRect/>
+          </a:stretch>
+        </p:blipFill>
+        <p:spPr bwMode="auto">
+          <a:xfrm>
+            <a:off x="7260876" y="2363657"/>
+            <a:ext cx="3966756" cy="4254500"/>
+          </a:xfrm>
+          <a:prstGeom prst="rect">
+            <a:avLst/>
+          </a:prstGeom>
+          <a:noFill/>
+          <a:extLst>
+            <a:ext uri="{909E8E84-426E-40DD-AFC4-6F175D3DCCD1}">
+              <a14:hiddenFill xmlns:a14="http://schemas.microsoft.com/office/drawing/2010/main">
+                <a:solidFill>
+                  <a:srgbClr val="FFFFFF"/>
+                </a:solidFill>
+              </a14:hiddenFill>
+            </a:ext>
+          </a:extLst>
+        </p:spPr>
+      </p:pic>
+      <p:sp>
+        <p:nvSpPr>
+          <p:cNvPr id="5" name="TextBox 4"/>
+          <p:cNvSpPr txBox="1"/>
+          <p:nvPr/>
+        </p:nvSpPr>
+        <p:spPr>
+          <a:xfrm>
+            <a:off x="7260876" y="6569996"/>
+            <a:ext cx="3801041" cy="246221"/>
+          </a:xfrm>
+          <a:prstGeom prst="rect">
+            <a:avLst/>
+          </a:prstGeom>
+          <a:noFill/>
+        </p:spPr>
+        <p:txBody>
+          <a:bodyPr wrap="none" rtlCol="0">
+            <a:spAutoFit/>
+          </a:bodyPr>
+          <a:lstStyle/>
+          <a:p>
+            <a:r>
+              <a:rPr lang="en-US" sz="1000" dirty="0" smtClean="0"/>
+              <a:t>Image source: Amos, </a:t>
+            </a:r>
+            <a:r>
+              <a:rPr lang="en-US" sz="1000" dirty="0" err="1" smtClean="0"/>
+              <a:t>Ludwiczuk</a:t>
+            </a:r>
+            <a:r>
+              <a:rPr lang="en-US" sz="1000" dirty="0" smtClean="0"/>
+              <a:t> &amp; </a:t>
+            </a:r>
+            <a:r>
+              <a:rPr lang="en-US" sz="1000" dirty="0" err="1" smtClean="0"/>
+              <a:t>Satyanarayanan</a:t>
+            </a:r>
+            <a:r>
+              <a:rPr lang="en-US" sz="1000" dirty="0" smtClean="0"/>
+              <a:t> (2016)</a:t>
+            </a:r>
+            <a:endParaRPr lang="en-US" sz="1000" dirty="0"/>
+          </a:p>
+        </p:txBody>
+      </p:sp>
+    </p:spTree>
+    <p:extLst>
+      <p:ext uri="{BB962C8B-B14F-4D97-AF65-F5344CB8AC3E}">
+        <p14:creationId xmlns:p14="http://schemas.microsoft.com/office/powerpoint/2010/main" val="299166273"/>
+      </p:ext>
+    </p:extLst>
+  </p:cSld>
+  <p:clrMapOvr>
+    <a:masterClrMapping/>
+  </p:clrMapOvr>
+  <p:timing>
+    <p:tnLst>
+      <p:par>
+        <p:cTn id="1" dur="indefinite" restart="never" nodeType="tmRoot"/>
+      </p:par>
+    </p:tnLst>
+  </p:timing>
+</p:sld>
+</file>
+
+<file path=ppt/slides/slide6.xml><?xml version="1.0" encoding="utf-8"?>
+<p:sld xmlns:a="http://schemas.openxmlformats.org/drawingml/2006/main" xmlns:r="http://schemas.openxmlformats.org/officeDocument/2006/relationships" xmlns:p="http://schemas.openxmlformats.org/presentationml/2006/main">
+  <p:cSld>
+    <p:spTree>
+      <p:nvGrpSpPr>
+        <p:cNvPr id="1" name=""/>
+        <p:cNvGrpSpPr/>
+        <p:nvPr/>
+      </p:nvGrpSpPr>
+      <p:grpSpPr>
+        <a:xfrm>
+          <a:off x="0" y="0"/>
+          <a:ext cx="0" cy="0"/>
+          <a:chOff x="0" y="0"/>
+          <a:chExt cx="0" cy="0"/>
+        </a:xfrm>
+      </p:grpSpPr>
+      <p:sp>
+        <p:nvSpPr>
+          <p:cNvPr id="2" name="Title 1"/>
+          <p:cNvSpPr>
+            <a:spLocks noGrp="1"/>
+          </p:cNvSpPr>
+          <p:nvPr>
+            <p:ph type="title"/>
+          </p:nvPr>
+        </p:nvSpPr>
+        <p:spPr/>
+        <p:txBody>
+          <a:bodyPr/>
+          <a:lstStyle/>
+          <a:p>
+            <a:r>
+              <a:rPr lang="en-US" dirty="0" smtClean="0"/>
+              <a:t>Face Morphology Embedding</a:t>
+            </a:r>
+            <a:endParaRPr lang="en-US" dirty="0"/>
+          </a:p>
+        </p:txBody>
+      </p:sp>
+      <p:sp>
+        <p:nvSpPr>
+          <p:cNvPr id="3" name="Content Placeholder 2"/>
+          <p:cNvSpPr>
+            <a:spLocks noGrp="1"/>
+          </p:cNvSpPr>
+          <p:nvPr>
+            <p:ph idx="1"/>
+          </p:nvPr>
+        </p:nvSpPr>
+        <p:spPr>
+          <a:xfrm>
+            <a:off x="1154954" y="2630005"/>
+            <a:ext cx="8825659" cy="4075596"/>
+          </a:xfrm>
+        </p:spPr>
+        <p:txBody>
+          <a:bodyPr>
+            <a:normAutofit/>
+          </a:bodyPr>
+          <a:lstStyle/>
+          <a:p>
+            <a:pPr defTabSz="914400">
+              <a:spcBef>
+                <a:spcPts val="0"/>
+              </a:spcBef>
+              <a:buClrTx/>
+              <a:buSzTx/>
+            </a:pPr>
+            <a:r>
+              <a:rPr lang="en-US" dirty="0" err="1" smtClean="0"/>
+              <a:t>OpenFace</a:t>
+            </a:r>
+            <a:r>
+              <a:rPr lang="en-US" dirty="0" smtClean="0"/>
+              <a:t> pre-trained CNN</a:t>
+            </a:r>
+          </a:p>
+          <a:p>
+            <a:pPr defTabSz="914400">
+              <a:spcBef>
+                <a:spcPts val="0"/>
+              </a:spcBef>
+              <a:buClrTx/>
+              <a:buSzTx/>
+            </a:pPr>
+            <a:r>
+              <a:rPr lang="en-US" dirty="0" smtClean="0"/>
+              <a:t>Has 92.92% accuracy on LFW</a:t>
+            </a:r>
+          </a:p>
+          <a:p>
+            <a:pPr defTabSz="914400">
+              <a:spcBef>
+                <a:spcPts val="0"/>
+              </a:spcBef>
+              <a:buClrTx/>
+              <a:buSzTx/>
+            </a:pPr>
+            <a:r>
+              <a:rPr lang="en-US" dirty="0" smtClean="0"/>
+              <a:t>39 layers encode face morphology</a:t>
+            </a:r>
+          </a:p>
+          <a:p>
+            <a:pPr defTabSz="914400">
+              <a:spcBef>
+                <a:spcPts val="0"/>
+              </a:spcBef>
+              <a:buClrTx/>
+              <a:buSzTx/>
+            </a:pPr>
+            <a:r>
+              <a:rPr lang="en-US" dirty="0"/>
+              <a:t>Output is </a:t>
+            </a:r>
+            <a:r>
+              <a:rPr lang="en-US" dirty="0" smtClean="0"/>
+              <a:t>128 measurements of distances between </a:t>
+            </a:r>
+            <a:r>
+              <a:rPr lang="en-US" dirty="0"/>
+              <a:t>facial features</a:t>
+            </a:r>
+          </a:p>
+          <a:p>
+            <a:pPr defTabSz="914400">
+              <a:spcBef>
+                <a:spcPts val="0"/>
+              </a:spcBef>
+              <a:buClrTx/>
+              <a:buSzTx/>
+            </a:pPr>
+            <a:endParaRPr lang="en-US" dirty="0" smtClean="0"/>
+          </a:p>
+          <a:p>
+            <a:pPr defTabSz="914400">
+              <a:spcBef>
+                <a:spcPts val="0"/>
+              </a:spcBef>
+              <a:buClrTx/>
+              <a:buSzTx/>
+            </a:pPr>
+            <a:endParaRPr lang="en-US" dirty="0"/>
+          </a:p>
+          <a:p>
+            <a:pPr defTabSz="914400">
+              <a:spcBef>
+                <a:spcPts val="0"/>
+              </a:spcBef>
+              <a:buClrTx/>
+              <a:buSzTx/>
+            </a:pPr>
+            <a:endParaRPr lang="en-US" dirty="0" smtClean="0"/>
+          </a:p>
+          <a:p>
+            <a:pPr defTabSz="914400">
+              <a:spcBef>
+                <a:spcPts val="0"/>
+              </a:spcBef>
+              <a:buClrTx/>
+              <a:buSzTx/>
+            </a:pPr>
+            <a:endParaRPr lang="en-US" dirty="0"/>
+          </a:p>
+          <a:p>
+            <a:pPr defTabSz="914400">
+              <a:spcBef>
+                <a:spcPts val="0"/>
+              </a:spcBef>
+              <a:buClrTx/>
+              <a:buSzTx/>
+            </a:pPr>
+            <a:endParaRPr lang="en-US" dirty="0" smtClean="0"/>
+          </a:p>
+          <a:p>
+            <a:pPr defTabSz="914400">
+              <a:spcBef>
+                <a:spcPts val="0"/>
+              </a:spcBef>
+              <a:buClrTx/>
+              <a:buSzTx/>
+            </a:pPr>
+            <a:endParaRPr lang="en-US" dirty="0"/>
+          </a:p>
+          <a:p>
+            <a:pPr defTabSz="914400">
+              <a:spcBef>
+                <a:spcPts val="0"/>
+              </a:spcBef>
+              <a:buClrTx/>
+              <a:buSzTx/>
+            </a:pPr>
+            <a:endParaRPr lang="en-US" dirty="0" smtClean="0"/>
+          </a:p>
+          <a:p>
+            <a:pPr defTabSz="914400">
+              <a:spcBef>
+                <a:spcPts val="0"/>
+              </a:spcBef>
+              <a:buClrTx/>
+              <a:buSzTx/>
+            </a:pPr>
+            <a:endParaRPr lang="en-US" dirty="0"/>
+          </a:p>
+          <a:p>
+            <a:pPr defTabSz="914400">
+              <a:spcBef>
+                <a:spcPts val="0"/>
+              </a:spcBef>
+              <a:buClrTx/>
+              <a:buSzTx/>
+            </a:pPr>
+            <a:endParaRPr lang="en-US" dirty="0" smtClean="0"/>
+          </a:p>
+          <a:p>
+            <a:pPr defTabSz="914400">
+              <a:spcBef>
+                <a:spcPts val="0"/>
+              </a:spcBef>
+              <a:buClrTx/>
+              <a:buSzTx/>
+            </a:pPr>
+            <a:endParaRPr lang="en-US" dirty="0"/>
+          </a:p>
+        </p:txBody>
+      </p:sp>
+      <p:pic>
+        <p:nvPicPr>
+          <p:cNvPr id="2050" name="Picture 2" descr="https://raw.githubusercontent.com/cmusatyalab/openface/master/images/nn4.v1.conv1.lennon-1.png"/>
+          <p:cNvPicPr>
+            <a:picLocks noChangeAspect="1" noChangeArrowheads="1"/>
+          </p:cNvPicPr>
+          <p:nvPr/>
+        </p:nvPicPr>
+        <p:blipFill>
+          <a:blip r:embed="rId2">
+            <a:extLst>
+              <a:ext uri="{28A0092B-C50C-407E-A947-70E740481C1C}">
+                <a14:useLocalDpi xmlns:a14="http://schemas.microsoft.com/office/drawing/2010/main" val="0"/>
+              </a:ext>
+            </a:extLst>
+          </a:blip>
+          <a:srcRect/>
+          <a:stretch>
+            <a:fillRect/>
+          </a:stretch>
+        </p:blipFill>
+        <p:spPr bwMode="auto">
+          <a:xfrm>
+            <a:off x="1070656" y="4241826"/>
+            <a:ext cx="9946815" cy="2268303"/>
+          </a:xfrm>
+          <a:prstGeom prst="rect">
+            <a:avLst/>
+          </a:prstGeom>
+          <a:noFill/>
+          <a:extLst>
+            <a:ext uri="{909E8E84-426E-40DD-AFC4-6F175D3DCCD1}">
+              <a14:hiddenFill xmlns:a14="http://schemas.microsoft.com/office/drawing/2010/main">
+                <a:solidFill>
+                  <a:srgbClr val="FFFFFF"/>
+                </a:solidFill>
+              </a14:hiddenFill>
+            </a:ext>
+          </a:extLst>
+        </p:spPr>
+      </p:pic>
+      <p:sp>
+        <p:nvSpPr>
+          <p:cNvPr id="4" name="TextBox 3"/>
+          <p:cNvSpPr txBox="1"/>
+          <p:nvPr/>
+        </p:nvSpPr>
+        <p:spPr>
+          <a:xfrm>
+            <a:off x="3538331" y="6557116"/>
+            <a:ext cx="4551246" cy="246221"/>
+          </a:xfrm>
+          <a:prstGeom prst="rect">
+            <a:avLst/>
+          </a:prstGeom>
+          <a:noFill/>
+        </p:spPr>
+        <p:txBody>
+          <a:bodyPr wrap="none" rtlCol="0">
+            <a:spAutoFit/>
+          </a:bodyPr>
+          <a:lstStyle/>
+          <a:p>
+            <a:r>
+              <a:rPr lang="en-US" sz="1000" dirty="0"/>
+              <a:t>Image source: https://</a:t>
+            </a:r>
+            <a:r>
+              <a:rPr lang="en-US" sz="1000" dirty="0" err="1"/>
+              <a:t>cmusatyalab.github.io</a:t>
+            </a:r>
+            <a:r>
+              <a:rPr lang="en-US" sz="1000" dirty="0"/>
+              <a:t>/</a:t>
+            </a:r>
+            <a:r>
+              <a:rPr lang="en-US" sz="1000" dirty="0" err="1"/>
+              <a:t>openface</a:t>
+            </a:r>
+            <a:r>
+              <a:rPr lang="en-US" sz="1000" dirty="0"/>
+              <a:t>/visualizations/</a:t>
+            </a:r>
+          </a:p>
+        </p:txBody>
+      </p:sp>
+    </p:spTree>
+    <p:extLst>
+      <p:ext uri="{BB962C8B-B14F-4D97-AF65-F5344CB8AC3E}">
+        <p14:creationId xmlns:p14="http://schemas.microsoft.com/office/powerpoint/2010/main" val="1798420134"/>
+      </p:ext>
+    </p:extLst>
+  </p:cSld>
+  <p:clrMapOvr>
+    <a:masterClrMapping/>
+  </p:clrMapOvr>
+  <p:timing>
+    <p:tnLst>
+      <p:par>
+        <p:cTn id="1" dur="indefinite" restart="never" nodeType="tmRoot"/>
+      </p:par>
+    </p:tnLst>
+  </p:timing>
+</p:sld>
+</file>
+
+<file path=ppt/slides/slide7.xml><?xml version="1.0" encoding="utf-8"?>
+<p:sld xmlns:a="http://schemas.openxmlformats.org/drawingml/2006/main" xmlns:r="http://schemas.openxmlformats.org/officeDocument/2006/relationships" xmlns:p="http://schemas.openxmlformats.org/presentationml/2006/main">
+  <p:cSld>
+    <p:spTree>
+      <p:nvGrpSpPr>
+        <p:cNvPr id="1" name=""/>
+        <p:cNvGrpSpPr/>
+        <p:nvPr/>
+      </p:nvGrpSpPr>
+      <p:grpSpPr>
+        <a:xfrm>
+          <a:off x="0" y="0"/>
+          <a:ext cx="0" cy="0"/>
+          <a:chOff x="0" y="0"/>
+          <a:chExt cx="0" cy="0"/>
+        </a:xfrm>
+      </p:grpSpPr>
+      <p:sp>
+        <p:nvSpPr>
+          <p:cNvPr id="2" name="Title 1"/>
+          <p:cNvSpPr>
+            <a:spLocks noGrp="1"/>
+          </p:cNvSpPr>
+          <p:nvPr>
+            <p:ph type="title"/>
+          </p:nvPr>
+        </p:nvSpPr>
+        <p:spPr/>
+        <p:txBody>
+          <a:bodyPr/>
+          <a:lstStyle/>
+          <a:p>
+            <a:r>
+              <a:rPr lang="en-US" dirty="0" smtClean="0"/>
+              <a:t>Classification</a:t>
+            </a:r>
+            <a:endParaRPr lang="en-US" dirty="0"/>
+          </a:p>
+        </p:txBody>
+      </p:sp>
+      <p:sp>
+        <p:nvSpPr>
+          <p:cNvPr id="3" name="Content Placeholder 2"/>
+          <p:cNvSpPr>
+            <a:spLocks noGrp="1"/>
+          </p:cNvSpPr>
+          <p:nvPr>
+            <p:ph idx="1"/>
+          </p:nvPr>
+        </p:nvSpPr>
+        <p:spPr/>
+        <p:txBody>
+          <a:bodyPr/>
+          <a:lstStyle/>
+          <a:p>
+            <a:r>
+              <a:rPr lang="en-US" dirty="0" smtClean="0"/>
+              <a:t>SVM to match measurements to name</a:t>
+            </a:r>
+          </a:p>
+          <a:p>
+            <a:r>
+              <a:rPr lang="en-US" dirty="0" smtClean="0"/>
+              <a:t>Example output for demo data set that comes with the model:</a:t>
+            </a:r>
+            <a:endParaRPr lang="en-US" dirty="0" smtClean="0"/>
+          </a:p>
+          <a:p>
+            <a:endParaRPr lang="en-US" dirty="0"/>
+          </a:p>
+        </p:txBody>
+      </p:sp>
+      <p:graphicFrame>
+        <p:nvGraphicFramePr>
+          <p:cNvPr id="4" name="Table 3"/>
+          <p:cNvGraphicFramePr>
+            <a:graphicFrameLocks noGrp="1"/>
+          </p:cNvGraphicFramePr>
+          <p:nvPr>
+            <p:extLst>
+              <p:ext uri="{D42A27DB-BD31-4B8C-83A1-F6EECF244321}">
+                <p14:modId xmlns:p14="http://schemas.microsoft.com/office/powerpoint/2010/main" val="623714195"/>
+              </p:ext>
+            </p:extLst>
+          </p:nvPr>
+        </p:nvGraphicFramePr>
+        <p:xfrm>
+          <a:off x="1503783" y="3727910"/>
+          <a:ext cx="8127999" cy="1651000"/>
+        </p:xfrm>
+        <a:graphic>
+          <a:graphicData uri="http://schemas.openxmlformats.org/drawingml/2006/table">
+            <a:tbl>
+              <a:tblPr firstRow="1" bandRow="1">
+                <a:tableStyleId>{5C22544A-7EE6-4342-B048-85BDC9FD1C3A}</a:tableStyleId>
+              </a:tblPr>
+              <a:tblGrid>
+                <a:gridCol w="2709333"/>
+                <a:gridCol w="2709333"/>
+                <a:gridCol w="2709333"/>
+              </a:tblGrid>
+              <a:tr h="370840">
+                <a:tc>
+                  <a:txBody>
+                    <a:bodyPr/>
+                    <a:lstStyle/>
+                    <a:p>
+                      <a:r>
+                        <a:rPr lang="en-US" dirty="0" smtClean="0"/>
+                        <a:t>Name</a:t>
+                      </a:r>
+                      <a:endParaRPr lang="en-US" dirty="0"/>
+                    </a:p>
+                  </a:txBody>
+                  <a:tcPr/>
+                </a:tc>
+                <a:tc>
+                  <a:txBody>
+                    <a:bodyPr/>
+                    <a:lstStyle/>
+                    <a:p>
+                      <a:r>
+                        <a:rPr lang="en-US" dirty="0" smtClean="0"/>
+                        <a:t>In Set?</a:t>
+                      </a:r>
+                      <a:endParaRPr lang="en-US" dirty="0"/>
+                    </a:p>
+                  </a:txBody>
+                  <a:tcPr/>
+                </a:tc>
+                <a:tc>
+                  <a:txBody>
+                    <a:bodyPr/>
+                    <a:lstStyle/>
+                    <a:p>
+                      <a:r>
+                        <a:rPr lang="en-US" dirty="0" smtClean="0"/>
+                        <a:t>Output</a:t>
+                      </a:r>
+                      <a:endParaRPr lang="en-US" dirty="0"/>
+                    </a:p>
+                  </a:txBody>
+                  <a:tcPr/>
+                </a:tc>
+              </a:tr>
+              <a:tr h="370840">
+                <a:tc>
+                  <a:txBody>
+                    <a:bodyPr/>
+                    <a:lstStyle/>
+                    <a:p>
+                      <a:r>
+                        <a:rPr lang="en-US" dirty="0" smtClean="0"/>
+                        <a:t>Steve Carell</a:t>
+                      </a:r>
+                      <a:endParaRPr lang="en-US" dirty="0"/>
+                    </a:p>
+                  </a:txBody>
+                  <a:tcPr/>
+                </a:tc>
+                <a:tc>
+                  <a:txBody>
+                    <a:bodyPr/>
+                    <a:lstStyle/>
+                    <a:p>
+                      <a:r>
+                        <a:rPr lang="en-US" dirty="0" smtClean="0"/>
+                        <a:t>yes</a:t>
+                      </a:r>
+                      <a:endParaRPr lang="en-US" dirty="0"/>
+                    </a:p>
+                  </a:txBody>
+                  <a:tcPr/>
+                </a:tc>
+                <a:tc>
+                  <a:txBody>
+                    <a:bodyPr/>
+                    <a:lstStyle/>
+                    <a:p>
+                      <a:r>
+                        <a:rPr lang="en-US" dirty="0" smtClean="0"/>
+                        <a:t>Predict </a:t>
+                      </a:r>
+                      <a:r>
+                        <a:rPr lang="en-US" dirty="0" err="1" smtClean="0"/>
+                        <a:t>SteveCarell</a:t>
+                      </a:r>
+                      <a:r>
+                        <a:rPr lang="en-US" dirty="0" smtClean="0"/>
+                        <a:t> with 0.97 confidence.</a:t>
+                      </a:r>
+                      <a:endParaRPr lang="en-US" dirty="0"/>
+                    </a:p>
+                  </a:txBody>
+                  <a:tcPr/>
+                </a:tc>
+              </a:tr>
+              <a:tr h="370840">
+                <a:tc>
+                  <a:txBody>
+                    <a:bodyPr/>
+                    <a:lstStyle/>
+                    <a:p>
+                      <a:r>
+                        <a:rPr lang="en-US" dirty="0" smtClean="0"/>
+                        <a:t>John Lennon</a:t>
+                      </a:r>
+                      <a:endParaRPr lang="en-US" dirty="0"/>
+                    </a:p>
+                  </a:txBody>
+                  <a:tcPr/>
+                </a:tc>
+                <a:tc>
+                  <a:txBody>
+                    <a:bodyPr/>
+                    <a:lstStyle/>
+                    <a:p>
+                      <a:r>
+                        <a:rPr lang="en-US" dirty="0" smtClean="0"/>
+                        <a:t>no</a:t>
+                      </a:r>
+                      <a:endParaRPr lang="en-US" dirty="0"/>
+                    </a:p>
+                  </a:txBody>
+                  <a:tcPr/>
+                </a:tc>
+                <a:tc>
+                  <a:txBody>
+                    <a:bodyPr/>
+                    <a:lstStyle/>
+                    <a:p>
+                      <a:r>
+                        <a:rPr lang="en-US" dirty="0" smtClean="0"/>
+                        <a:t>Predict </a:t>
+                      </a:r>
+                      <a:r>
+                        <a:rPr lang="en-US" dirty="0" err="1" smtClean="0"/>
+                        <a:t>SteveCarell</a:t>
+                      </a:r>
+                      <a:r>
+                        <a:rPr lang="en-US" dirty="0" smtClean="0"/>
+                        <a:t> with 0.50 confidence.”</a:t>
+                      </a:r>
+                      <a:endParaRPr lang="en-US" dirty="0"/>
+                    </a:p>
+                  </a:txBody>
+                  <a:tcPr/>
+                </a:tc>
+              </a:tr>
+            </a:tbl>
+          </a:graphicData>
+        </a:graphic>
+      </p:graphicFrame>
+    </p:spTree>
+    <p:extLst>
+      <p:ext uri="{BB962C8B-B14F-4D97-AF65-F5344CB8AC3E}">
+        <p14:creationId xmlns:p14="http://schemas.microsoft.com/office/powerpoint/2010/main" val="196379253"/>
+      </p:ext>
+    </p:extLst>
+  </p:cSld>
+  <p:clrMapOvr>
+    <a:masterClrMapping/>
+  </p:clrMapOvr>
+  <p:timing>
+    <p:tnLst>
+      <p:par>
+        <p:cTn id="1" dur="indefinite" restart="never" nodeType="tmRoot"/>
+      </p:par>
+    </p:tnLst>
+  </p:timing>
+</p:sld>
+</file>
+
+<file path=ppt/slides/slide8.xml><?xml version="1.0" encoding="utf-8"?>
+<p:sld xmlns:a="http://schemas.openxmlformats.org/drawingml/2006/main" xmlns:r="http://schemas.openxmlformats.org/officeDocument/2006/relationships" xmlns:p="http://schemas.openxmlformats.org/presentationml/2006/main">
+  <p:cSld>
+    <p:spTree>
+      <p:nvGrpSpPr>
+        <p:cNvPr id="1" name=""/>
+        <p:cNvGrpSpPr/>
+        <p:nvPr/>
+      </p:nvGrpSpPr>
+      <p:grpSpPr>
+        <a:xfrm>
+          <a:off x="0" y="0"/>
+          <a:ext cx="0" cy="0"/>
+          <a:chOff x="0" y="0"/>
+          <a:chExt cx="0" cy="0"/>
+        </a:xfrm>
+      </p:grpSpPr>
+      <p:sp>
+        <p:nvSpPr>
+          <p:cNvPr id="2" name="Title 1"/>
+          <p:cNvSpPr>
+            <a:spLocks noGrp="1"/>
+          </p:cNvSpPr>
+          <p:nvPr>
+            <p:ph type="title"/>
+          </p:nvPr>
+        </p:nvSpPr>
+        <p:spPr/>
+        <p:txBody>
+          <a:bodyPr/>
+          <a:lstStyle/>
+          <a:p>
+            <a:r>
+              <a:rPr lang="en-US" dirty="0" smtClean="0"/>
+              <a:t>Adversarial Examples</a:t>
+            </a:r>
+            <a:endParaRPr lang="en-US" dirty="0"/>
+          </a:p>
+        </p:txBody>
+      </p:sp>
+      <p:sp>
+        <p:nvSpPr>
+          <p:cNvPr id="3" name="Content Placeholder 2"/>
+          <p:cNvSpPr>
+            <a:spLocks noGrp="1"/>
+          </p:cNvSpPr>
+          <p:nvPr>
+            <p:ph idx="1"/>
+          </p:nvPr>
+        </p:nvSpPr>
+        <p:spPr/>
+        <p:txBody>
+          <a:bodyPr/>
+          <a:lstStyle/>
+          <a:p>
+            <a:r>
+              <a:rPr lang="en-US" dirty="0" smtClean="0"/>
+              <a:t>Image has noise added</a:t>
+            </a:r>
+          </a:p>
+          <a:p>
+            <a:r>
+              <a:rPr lang="en-US" dirty="0" smtClean="0"/>
+              <a:t>Noise confuses model</a:t>
+            </a:r>
+          </a:p>
+          <a:p>
+            <a:r>
+              <a:rPr lang="en-US" dirty="0" smtClean="0"/>
+              <a:t>Images is given incorrect label</a:t>
+            </a:r>
+          </a:p>
+          <a:p>
+            <a:r>
+              <a:rPr lang="en-US" dirty="0" smtClean="0"/>
+              <a:t>Challenge is </a:t>
+            </a:r>
+            <a:r>
+              <a:rPr lang="en-US" smtClean="0"/>
+              <a:t>making the noise subtle</a:t>
+            </a:r>
+            <a:endParaRPr lang="en-US" dirty="0"/>
+          </a:p>
+        </p:txBody>
+      </p:sp>
+    </p:spTree>
+    <p:extLst>
+      <p:ext uri="{BB962C8B-B14F-4D97-AF65-F5344CB8AC3E}">
+        <p14:creationId xmlns:p14="http://schemas.microsoft.com/office/powerpoint/2010/main" val="896794358"/>
+      </p:ext>
+    </p:extLst>
+  </p:cSld>
+  <p:clrMapOvr>
+    <a:masterClrMapping/>
+  </p:clrMapOvr>
+</p:sld>
+</file>
+
+<file path=ppt/slides/slide9.xml><?xml version="1.0" encoding="utf-8"?>
+<p:sld xmlns:a="http://schemas.openxmlformats.org/drawingml/2006/main" xmlns:r="http://schemas.openxmlformats.org/officeDocument/2006/relationships" xmlns:p="http://schemas.openxmlformats.org/presentationml/2006/main">
+  <p:cSld>
+    <p:spTree>
+      <p:nvGrpSpPr>
+        <p:cNvPr id="1" name=""/>
+        <p:cNvGrpSpPr/>
+        <p:nvPr/>
+      </p:nvGrpSpPr>
+      <p:grpSpPr>
+        <a:xfrm>
+          <a:off x="0" y="0"/>
+          <a:ext cx="0" cy="0"/>
+          <a:chOff x="0" y="0"/>
+          <a:chExt cx="0" cy="0"/>
+        </a:xfrm>
+      </p:grpSpPr>
+      <p:sp>
+        <p:nvSpPr>
+          <p:cNvPr id="2" name="Title 1"/>
+          <p:cNvSpPr>
+            <a:spLocks noGrp="1"/>
+          </p:cNvSpPr>
+          <p:nvPr>
+            <p:ph type="title"/>
+          </p:nvPr>
+        </p:nvSpPr>
+        <p:spPr/>
+        <p:txBody>
+          <a:bodyPr/>
+          <a:lstStyle/>
+          <a:p>
+            <a:r>
+              <a:rPr lang="en-US" dirty="0" smtClean="0"/>
+              <a:t>Adversarial Tasks</a:t>
+            </a:r>
+            <a:endParaRPr lang="en-US" dirty="0"/>
+          </a:p>
+        </p:txBody>
+      </p:sp>
+      <p:sp>
+        <p:nvSpPr>
+          <p:cNvPr id="3" name="Content Placeholder 2"/>
+          <p:cNvSpPr>
+            <a:spLocks noGrp="1"/>
+          </p:cNvSpPr>
+          <p:nvPr>
+            <p:ph idx="1"/>
+          </p:nvPr>
+        </p:nvSpPr>
+        <p:spPr>
+          <a:xfrm>
+            <a:off x="1154954" y="2603499"/>
+            <a:ext cx="8825659" cy="3903317"/>
+          </a:xfrm>
+        </p:spPr>
+        <p:txBody>
+          <a:bodyPr>
+            <a:normAutofit fontScale="92500" lnSpcReduction="10000"/>
+          </a:bodyPr>
+          <a:lstStyle/>
+          <a:p>
+            <a:r>
+              <a:rPr lang="en-US" dirty="0" smtClean="0"/>
+              <a:t>Use particle swarm algorithm to modify images to trick </a:t>
+            </a:r>
+            <a:r>
+              <a:rPr lang="en-US" dirty="0" err="1" smtClean="0"/>
+              <a:t>OpenFace</a:t>
+            </a:r>
+            <a:r>
+              <a:rPr lang="en-US" dirty="0" smtClean="0"/>
+              <a:t> to incorrectly classify image:</a:t>
+            </a:r>
+          </a:p>
+          <a:p>
+            <a:pPr lvl="1"/>
+            <a:r>
+              <a:rPr lang="en-US" dirty="0" smtClean="0"/>
+              <a:t>Case 1: Incremental changes to decrease image quality</a:t>
+            </a:r>
+          </a:p>
+          <a:p>
+            <a:pPr lvl="1"/>
+            <a:r>
+              <a:rPr lang="en-US" dirty="0" smtClean="0"/>
+              <a:t>Case 2: People with similar faces (same race, same gender)</a:t>
+            </a:r>
+          </a:p>
+          <a:p>
+            <a:pPr lvl="1"/>
+            <a:r>
+              <a:rPr lang="en-US" dirty="0" smtClean="0"/>
+              <a:t>Case 3: People with dissimilar faces (same race, same gender)</a:t>
+            </a:r>
+          </a:p>
+          <a:p>
+            <a:pPr lvl="1"/>
+            <a:r>
+              <a:rPr lang="en-US" dirty="0" smtClean="0"/>
+              <a:t>Case 4: People with different genders </a:t>
+            </a:r>
+          </a:p>
+          <a:p>
+            <a:pPr lvl="1"/>
+            <a:r>
+              <a:rPr lang="en-US" dirty="0" smtClean="0"/>
+              <a:t>Case 5: People of different races</a:t>
+            </a:r>
+          </a:p>
+          <a:p>
+            <a:pPr lvl="1"/>
+            <a:r>
+              <a:rPr lang="en-US" dirty="0" smtClean="0"/>
+              <a:t>Case 6: People of different races and genders</a:t>
+            </a:r>
+          </a:p>
+          <a:p>
+            <a:pPr lvl="1"/>
+            <a:r>
+              <a:rPr lang="en-US" dirty="0" smtClean="0"/>
+              <a:t>Case 7: Non-human face</a:t>
+            </a:r>
+          </a:p>
+          <a:p>
+            <a:pPr lvl="1"/>
+            <a:r>
+              <a:rPr lang="en-US" dirty="0" smtClean="0"/>
+              <a:t>Case 8: No </a:t>
+            </a:r>
+            <a:r>
+              <a:rPr lang="en-US" dirty="0" smtClean="0"/>
+              <a:t>face</a:t>
+            </a:r>
+          </a:p>
+          <a:p>
+            <a:r>
+              <a:rPr lang="en-US" dirty="0" smtClean="0"/>
+              <a:t>Each test case will be run twice using a limited data set (easy) and the full LFW (difficult)</a:t>
+            </a:r>
+            <a:endParaRPr lang="en-US" dirty="0" smtClean="0"/>
+          </a:p>
+          <a:p>
+            <a:endParaRPr lang="en-US" dirty="0"/>
+          </a:p>
+        </p:txBody>
+      </p:sp>
+    </p:spTree>
+    <p:extLst>
+      <p:ext uri="{BB962C8B-B14F-4D97-AF65-F5344CB8AC3E}">
+        <p14:creationId xmlns:p14="http://schemas.microsoft.com/office/powerpoint/2010/main" val="2011223379"/>
+      </p:ext>
+    </p:extLst>
+  </p:cSld>
+  <p:clrMapOvr>
+    <a:masterClrMapping/>
+  </p:clrMapOvr>
+  <p:timing>
+    <p:tnLst>
+      <p:par>
+        <p:cTn id="1" dur="indefinite" restart="never" nodeType="tmRoot"/>
+      </p:par>
+    </p:tnLst>
+  </p:timing>
+</p:sld>
+</file>
+
 <file path=ppt/theme/theme1.xml><?xml version="1.0" encoding="utf-8"?>
 <a:theme xmlns:a="http://schemas.openxmlformats.org/drawingml/2006/main" name="Ion Boardroom">
   <a:themeElements>
